--- a/Presentation.pptx
+++ b/Presentation.pptx
@@ -18,6 +18,8 @@
     <p:sldId id="268" r:id="rId12"/>
     <p:sldId id="269" r:id="rId13"/>
     <p:sldId id="270" r:id="rId14"/>
+    <p:sldId id="271" r:id="rId15"/>
+    <p:sldId id="272" r:id="rId16"/>
   </p:sldIdLst>
   <p:sldSz cx="12192000" cy="6858000"/>
   <p:notesSz cx="6858000" cy="9144000"/>
@@ -5565,39 +5567,227 @@
           <a:bodyPr/>
           <a:lstStyle/>
           <a:p>
-            <a:endParaRPr lang="en-CO"/>
-          </a:p>
-        </p:txBody>
-      </p:sp>
-      <p:sp>
-        <p:nvSpPr>
-          <p:cNvPr id="3" name="Content Placeholder 2">
-            <a:extLst>
-              <a:ext uri="{FF2B5EF4-FFF2-40B4-BE49-F238E27FC236}">
-                <a16:creationId xmlns:a16="http://schemas.microsoft.com/office/drawing/2014/main" id="{D02111E8-99F9-004D-A515-4DE3612F7379}"/>
-              </a:ext>
-            </a:extLst>
-          </p:cNvPr>
-          <p:cNvSpPr>
-            <a:spLocks noGrp="1"/>
-          </p:cNvSpPr>
+            <a:r>
+              <a:rPr lang="en-CO" dirty="0"/>
+              <a:t>Importing Data</a:t>
+            </a:r>
+          </a:p>
+        </p:txBody>
+      </p:sp>
+      <p:pic>
+        <p:nvPicPr>
+          <p:cNvPr id="5" name="Content Placeholder 4" descr="Text&#10;&#10;Description automatically generated">
+            <a:extLst>
+              <a:ext uri="{FF2B5EF4-FFF2-40B4-BE49-F238E27FC236}">
+                <a16:creationId xmlns:a16="http://schemas.microsoft.com/office/drawing/2014/main" id="{4FE50158-FD6A-A540-AE5F-8239BD24DBCD}"/>
+              </a:ext>
+            </a:extLst>
+          </p:cNvPr>
+          <p:cNvPicPr>
+            <a:picLocks noGrp="1" noChangeAspect="1"/>
+          </p:cNvPicPr>
           <p:nvPr>
             <p:ph idx="1"/>
           </p:nvPr>
-        </p:nvSpPr>
-        <p:spPr/>
-        <p:txBody>
-          <a:bodyPr/>
-          <a:lstStyle/>
-          <a:p>
-            <a:endParaRPr lang="en-CO"/>
-          </a:p>
-        </p:txBody>
-      </p:sp>
+        </p:nvPicPr>
+        <p:blipFill>
+          <a:blip r:embed="rId2"/>
+          <a:stretch>
+            <a:fillRect/>
+          </a:stretch>
+        </p:blipFill>
+        <p:spPr>
+          <a:xfrm>
+            <a:off x="1143000" y="2813544"/>
+            <a:ext cx="9906000" cy="2604100"/>
+          </a:xfrm>
+        </p:spPr>
+      </p:pic>
     </p:spTree>
     <p:extLst>
       <p:ext uri="{BB962C8B-B14F-4D97-AF65-F5344CB8AC3E}">
         <p14:creationId xmlns:p14="http://schemas.microsoft.com/office/powerpoint/2010/main" val="3032995578"/>
+      </p:ext>
+    </p:extLst>
+  </p:cSld>
+  <p:clrMapOvr>
+    <a:masterClrMapping/>
+  </p:clrMapOvr>
+</p:sld>
+</file>
+
+<file path=ppt/slides/slide14.xml><?xml version="1.0" encoding="utf-8"?>
+<p:sld xmlns:a="http://schemas.openxmlformats.org/drawingml/2006/main" xmlns:r="http://schemas.openxmlformats.org/officeDocument/2006/relationships" xmlns:p="http://schemas.openxmlformats.org/presentationml/2006/main">
+  <p:cSld>
+    <p:spTree>
+      <p:nvGrpSpPr>
+        <p:cNvPr id="1" name=""/>
+        <p:cNvGrpSpPr/>
+        <p:nvPr/>
+      </p:nvGrpSpPr>
+      <p:grpSpPr>
+        <a:xfrm>
+          <a:off x="0" y="0"/>
+          <a:ext cx="0" cy="0"/>
+          <a:chOff x="0" y="0"/>
+          <a:chExt cx="0" cy="0"/>
+        </a:xfrm>
+      </p:grpSpPr>
+      <p:sp>
+        <p:nvSpPr>
+          <p:cNvPr id="2" name="Title 1">
+            <a:extLst>
+              <a:ext uri="{FF2B5EF4-FFF2-40B4-BE49-F238E27FC236}">
+                <a16:creationId xmlns:a16="http://schemas.microsoft.com/office/drawing/2014/main" id="{D5697042-174E-AC4F-90CF-E2FDB9F9995E}"/>
+              </a:ext>
+            </a:extLst>
+          </p:cNvPr>
+          <p:cNvSpPr>
+            <a:spLocks noGrp="1"/>
+          </p:cNvSpPr>
+          <p:nvPr>
+            <p:ph type="title"/>
+          </p:nvPr>
+        </p:nvSpPr>
+        <p:spPr/>
+        <p:txBody>
+          <a:bodyPr/>
+          <a:lstStyle/>
+          <a:p>
+            <a:r>
+              <a:rPr lang="en-CO" dirty="0"/>
+              <a:t>Sampling</a:t>
+            </a:r>
+          </a:p>
+        </p:txBody>
+      </p:sp>
+      <p:pic>
+        <p:nvPicPr>
+          <p:cNvPr id="4" name="Picture 3" descr="Text&#10;&#10;Description automatically generated">
+            <a:extLst>
+              <a:ext uri="{FF2B5EF4-FFF2-40B4-BE49-F238E27FC236}">
+                <a16:creationId xmlns:a16="http://schemas.microsoft.com/office/drawing/2014/main" id="{0FE31830-6FAA-7445-99FB-C4314179C927}"/>
+              </a:ext>
+            </a:extLst>
+          </p:cNvPr>
+          <p:cNvPicPr>
+            <a:picLocks noChangeAspect="1"/>
+          </p:cNvPicPr>
+          <p:nvPr/>
+        </p:nvPicPr>
+        <p:blipFill>
+          <a:blip r:embed="rId2"/>
+          <a:stretch>
+            <a:fillRect/>
+          </a:stretch>
+        </p:blipFill>
+        <p:spPr>
+          <a:xfrm>
+            <a:off x="966500" y="2564195"/>
+            <a:ext cx="10259000" cy="2312605"/>
+          </a:xfrm>
+          <a:prstGeom prst="rect">
+            <a:avLst/>
+          </a:prstGeom>
+        </p:spPr>
+      </p:pic>
+    </p:spTree>
+    <p:extLst>
+      <p:ext uri="{BB962C8B-B14F-4D97-AF65-F5344CB8AC3E}">
+        <p14:creationId xmlns:p14="http://schemas.microsoft.com/office/powerpoint/2010/main" val="1876969810"/>
+      </p:ext>
+    </p:extLst>
+  </p:cSld>
+  <p:clrMapOvr>
+    <a:masterClrMapping/>
+  </p:clrMapOvr>
+</p:sld>
+</file>
+
+<file path=ppt/slides/slide15.xml><?xml version="1.0" encoding="utf-8"?>
+<p:sld xmlns:a="http://schemas.openxmlformats.org/drawingml/2006/main" xmlns:r="http://schemas.openxmlformats.org/officeDocument/2006/relationships" xmlns:p="http://schemas.openxmlformats.org/presentationml/2006/main">
+  <p:cSld>
+    <p:spTree>
+      <p:nvGrpSpPr>
+        <p:cNvPr id="1" name=""/>
+        <p:cNvGrpSpPr/>
+        <p:nvPr/>
+      </p:nvGrpSpPr>
+      <p:grpSpPr>
+        <a:xfrm>
+          <a:off x="0" y="0"/>
+          <a:ext cx="0" cy="0"/>
+          <a:chOff x="0" y="0"/>
+          <a:chExt cx="0" cy="0"/>
+        </a:xfrm>
+      </p:grpSpPr>
+      <p:sp>
+        <p:nvSpPr>
+          <p:cNvPr id="2" name="Title 1">
+            <a:extLst>
+              <a:ext uri="{FF2B5EF4-FFF2-40B4-BE49-F238E27FC236}">
+                <a16:creationId xmlns:a16="http://schemas.microsoft.com/office/drawing/2014/main" id="{D5697042-174E-AC4F-90CF-E2FDB9F9995E}"/>
+              </a:ext>
+            </a:extLst>
+          </p:cNvPr>
+          <p:cNvSpPr>
+            <a:spLocks noGrp="1"/>
+          </p:cNvSpPr>
+          <p:nvPr>
+            <p:ph type="title"/>
+          </p:nvPr>
+        </p:nvSpPr>
+        <p:spPr>
+          <a:xfrm>
+            <a:off x="994833" y="509117"/>
+            <a:ext cx="9905999" cy="1360898"/>
+          </a:xfrm>
+        </p:spPr>
+        <p:txBody>
+          <a:bodyPr/>
+          <a:lstStyle/>
+          <a:p>
+            <a:r>
+              <a:rPr lang="en-CO" dirty="0"/>
+              <a:t>Iterate</a:t>
+            </a:r>
+          </a:p>
+        </p:txBody>
+      </p:sp>
+      <p:pic>
+        <p:nvPicPr>
+          <p:cNvPr id="5" name="Picture 4" descr="Text&#10;&#10;Description automatically generated">
+            <a:extLst>
+              <a:ext uri="{FF2B5EF4-FFF2-40B4-BE49-F238E27FC236}">
+                <a16:creationId xmlns:a16="http://schemas.microsoft.com/office/drawing/2014/main" id="{50777DAA-40F8-BB42-9F4C-F8B9E1D6AFD2}"/>
+              </a:ext>
+            </a:extLst>
+          </p:cNvPr>
+          <p:cNvPicPr>
+            <a:picLocks noChangeAspect="1"/>
+          </p:cNvPicPr>
+          <p:nvPr/>
+        </p:nvPicPr>
+        <p:blipFill>
+          <a:blip r:embed="rId2"/>
+          <a:stretch>
+            <a:fillRect/>
+          </a:stretch>
+        </p:blipFill>
+        <p:spPr>
+          <a:xfrm>
+            <a:off x="1905000" y="2044896"/>
+            <a:ext cx="8085667" cy="3623538"/>
+          </a:xfrm>
+          <a:prstGeom prst="rect">
+            <a:avLst/>
+          </a:prstGeom>
+        </p:spPr>
+      </p:pic>
+    </p:spTree>
+    <p:extLst>
+      <p:ext uri="{BB962C8B-B14F-4D97-AF65-F5344CB8AC3E}">
+        <p14:creationId xmlns:p14="http://schemas.microsoft.com/office/powerpoint/2010/main" val="2642870741"/>
       </p:ext>
     </p:extLst>
   </p:cSld>

--- a/Presentation.pptx
+++ b/Presentation.pptx
@@ -20,6 +20,7 @@
     <p:sldId id="270" r:id="rId14"/>
     <p:sldId id="271" r:id="rId15"/>
     <p:sldId id="272" r:id="rId16"/>
+    <p:sldId id="273" r:id="rId17"/>
   </p:sldIdLst>
   <p:sldSz cx="12192000" cy="6858000"/>
   <p:notesSz cx="6858000" cy="9144000"/>
@@ -3835,82 +3836,6 @@
           <a:chExt cx="0" cy="0"/>
         </a:xfrm>
       </p:grpSpPr>
-      <p:sp useBgFill="1">
-        <p:nvSpPr>
-          <p:cNvPr id="26" name="Rectangle 15">
-            <a:extLst>
-              <a:ext uri="{FF2B5EF4-FFF2-40B4-BE49-F238E27FC236}">
-                <a16:creationId xmlns:a16="http://schemas.microsoft.com/office/drawing/2014/main" id="{4DE524F2-C7AF-4466-BA99-09C19DE0D819}"/>
-              </a:ext>
-              <a:ext uri="{C183D7F6-B498-43B3-948B-1728B52AA6E4}">
-                <adec:decorative xmlns:adec="http://schemas.microsoft.com/office/drawing/2017/decorative" val="1"/>
-              </a:ext>
-            </a:extLst>
-          </p:cNvPr>
-          <p:cNvSpPr>
-            <a:spLocks noGrp="1" noRot="1" noChangeAspect="1" noMove="1" noResize="1" noEditPoints="1" noAdjustHandles="1" noChangeArrowheads="1" noChangeShapeType="1" noTextEdit="1"/>
-          </p:cNvSpPr>
-          <p:nvPr>
-            <p:extLst>
-              <p:ext uri="{386F3935-93C4-4BCD-93E2-E3B085C9AB24}">
-                <p16:designElem xmlns:p16="http://schemas.microsoft.com/office/powerpoint/2015/main" val="1"/>
-              </p:ext>
-            </p:extLst>
-          </p:nvPr>
-        </p:nvSpPr>
-        <p:spPr>
-          <a:xfrm>
-            <a:off x="0" y="0"/>
-            <a:ext cx="12192000" cy="6858000"/>
-          </a:xfrm>
-          <a:prstGeom prst="rect">
-            <a:avLst/>
-          </a:prstGeom>
-          <a:ln w="12700" cap="flat" cmpd="sng" algn="ctr">
-            <a:noFill/>
-            <a:prstDash val="solid"/>
-            <a:miter lim="800000"/>
-          </a:ln>
-          <a:effectLst/>
-          <a:extLst>
-            <a:ext uri="{91240B29-F687-4F45-9708-019B960494DF}">
-              <a14:hiddenLine xmlns:a14="http://schemas.microsoft.com/office/drawing/2010/main" w="12700" cap="flat" cmpd="sng" algn="ctr">
-                <a:solidFill>
-                  <a:schemeClr val="accent1">
-                    <a:shade val="50000"/>
-                  </a:schemeClr>
-                </a:solidFill>
-                <a:prstDash val="solid"/>
-                <a:miter lim="800000"/>
-              </a14:hiddenLine>
-            </a:ext>
-          </a:extLst>
-        </p:spPr>
-        <p:style>
-          <a:lnRef idx="2">
-            <a:schemeClr val="accent1">
-              <a:shade val="50000"/>
-            </a:schemeClr>
-          </a:lnRef>
-          <a:fillRef idx="1">
-            <a:schemeClr val="accent1"/>
-          </a:fillRef>
-          <a:effectRef idx="0">
-            <a:schemeClr val="accent1"/>
-          </a:effectRef>
-          <a:fontRef idx="minor">
-            <a:schemeClr val="lt1"/>
-          </a:fontRef>
-        </p:style>
-        <p:txBody>
-          <a:bodyPr rtlCol="0" anchor="ctr"/>
-          <a:lstStyle/>
-          <a:p>
-            <a:pPr algn="ctr"/>
-            <a:endParaRPr lang="en-US"/>
-          </a:p>
-        </p:txBody>
-      </p:sp>
       <p:pic>
         <p:nvPicPr>
           <p:cNvPr id="4" name="Picture 3">
@@ -3940,349 +3865,6 @@
           </a:prstGeom>
         </p:spPr>
       </p:pic>
-      <p:sp>
-        <p:nvSpPr>
-          <p:cNvPr id="27" name="Freeform: Shape 17">
-            <a:extLst>
-              <a:ext uri="{FF2B5EF4-FFF2-40B4-BE49-F238E27FC236}">
-                <a16:creationId xmlns:a16="http://schemas.microsoft.com/office/drawing/2014/main" id="{904E317E-14BB-4200-84F3-2064B4C971B7}"/>
-              </a:ext>
-              <a:ext uri="{C183D7F6-B498-43B3-948B-1728B52AA6E4}">
-                <adec:decorative xmlns:adec="http://schemas.microsoft.com/office/drawing/2017/decorative" val="1"/>
-              </a:ext>
-            </a:extLst>
-          </p:cNvPr>
-          <p:cNvSpPr>
-            <a:spLocks noGrp="1" noRot="1" noChangeAspect="1" noMove="1" noResize="1" noEditPoints="1" noAdjustHandles="1" noChangeArrowheads="1" noChangeShapeType="1" noTextEdit="1"/>
-          </p:cNvSpPr>
-          <p:nvPr>
-            <p:extLst>
-              <p:ext uri="{386F3935-93C4-4BCD-93E2-E3B085C9AB24}">
-                <p16:designElem xmlns:p16="http://schemas.microsoft.com/office/powerpoint/2015/main" val="1"/>
-              </p:ext>
-            </p:extLst>
-          </p:nvPr>
-        </p:nvSpPr>
-        <p:spPr>
-          <a:xfrm>
-            <a:off x="7523854" y="1544347"/>
-            <a:ext cx="4676439" cy="5313651"/>
-          </a:xfrm>
-          <a:custGeom>
-            <a:avLst/>
-            <a:gdLst>
-              <a:gd name="connsiteX0" fmla="*/ 6846874 w 6846874"/>
-              <a:gd name="connsiteY0" fmla="*/ 3021586 h 3021586"/>
-              <a:gd name="connsiteX1" fmla="*/ 0 w 6846874"/>
-              <a:gd name="connsiteY1" fmla="*/ 3021585 h 3021586"/>
-              <a:gd name="connsiteX2" fmla="*/ 3399286 w 6846874"/>
-              <a:gd name="connsiteY2" fmla="*/ 0 h 3021586"/>
-              <a:gd name="connsiteX0" fmla="*/ 6846874 w 6846874"/>
-              <a:gd name="connsiteY0" fmla="*/ 3016405 h 3016405"/>
-              <a:gd name="connsiteX1" fmla="*/ 0 w 6846874"/>
-              <a:gd name="connsiteY1" fmla="*/ 3016404 h 3016405"/>
-              <a:gd name="connsiteX2" fmla="*/ 3425190 w 6846874"/>
-              <a:gd name="connsiteY2" fmla="*/ 0 h 3016405"/>
-              <a:gd name="connsiteX3" fmla="*/ 6846874 w 6846874"/>
-              <a:gd name="connsiteY3" fmla="*/ 3016405 h 3016405"/>
-              <a:gd name="connsiteX0" fmla="*/ 6846874 w 6846874"/>
-              <a:gd name="connsiteY0" fmla="*/ 3055286 h 3055286"/>
-              <a:gd name="connsiteX1" fmla="*/ 0 w 6846874"/>
-              <a:gd name="connsiteY1" fmla="*/ 3055285 h 3055286"/>
-              <a:gd name="connsiteX2" fmla="*/ 3425190 w 6846874"/>
-              <a:gd name="connsiteY2" fmla="*/ 0 h 3055286"/>
-              <a:gd name="connsiteX3" fmla="*/ 6846874 w 6846874"/>
-              <a:gd name="connsiteY3" fmla="*/ 3055286 h 3055286"/>
-              <a:gd name="connsiteX0" fmla="*/ 6846874 w 6846874"/>
-              <a:gd name="connsiteY0" fmla="*/ 5422604 h 5422604"/>
-              <a:gd name="connsiteX1" fmla="*/ 0 w 6846874"/>
-              <a:gd name="connsiteY1" fmla="*/ 5422603 h 5422604"/>
-              <a:gd name="connsiteX2" fmla="*/ 6839561 w 6846874"/>
-              <a:gd name="connsiteY2" fmla="*/ 0 h 5422604"/>
-              <a:gd name="connsiteX3" fmla="*/ 6846874 w 6846874"/>
-              <a:gd name="connsiteY3" fmla="*/ 5422604 h 5422604"/>
-            </a:gdLst>
-            <a:ahLst/>
-            <a:cxnLst>
-              <a:cxn ang="0">
-                <a:pos x="connsiteX0" y="connsiteY0"/>
-              </a:cxn>
-              <a:cxn ang="0">
-                <a:pos x="connsiteX1" y="connsiteY1"/>
-              </a:cxn>
-              <a:cxn ang="0">
-                <a:pos x="connsiteX2" y="connsiteY2"/>
-              </a:cxn>
-              <a:cxn ang="0">
-                <a:pos x="connsiteX3" y="connsiteY3"/>
-              </a:cxn>
-            </a:cxnLst>
-            <a:rect l="l" t="t" r="r" b="b"/>
-            <a:pathLst>
-              <a:path w="6846874" h="5422604">
-                <a:moveTo>
-                  <a:pt x="6846874" y="5422604"/>
-                </a:moveTo>
-                <a:lnTo>
-                  <a:pt x="0" y="5422603"/>
-                </a:lnTo>
-                <a:lnTo>
-                  <a:pt x="6839561" y="0"/>
-                </a:lnTo>
-                <a:cubicBezTo>
-                  <a:pt x="6841999" y="1807535"/>
-                  <a:pt x="6844436" y="3615069"/>
-                  <a:pt x="6846874" y="5422604"/>
-                </a:cubicBezTo>
-                <a:close/>
-              </a:path>
-            </a:pathLst>
-          </a:custGeom>
-          <a:solidFill>
-            <a:schemeClr val="bg2">
-              <a:alpha val="60000"/>
-            </a:schemeClr>
-          </a:solidFill>
-          <a:ln w="12700" cap="flat" cmpd="sng" algn="ctr">
-            <a:noFill/>
-            <a:prstDash val="solid"/>
-            <a:miter lim="800000"/>
-          </a:ln>
-          <a:effectLst/>
-        </p:spPr>
-        <p:style>
-          <a:lnRef idx="2">
-            <a:schemeClr val="accent1">
-              <a:shade val="50000"/>
-            </a:schemeClr>
-          </a:lnRef>
-          <a:fillRef idx="1">
-            <a:schemeClr val="accent1"/>
-          </a:fillRef>
-          <a:effectRef idx="0">
-            <a:schemeClr val="accent1"/>
-          </a:effectRef>
-          <a:fontRef idx="minor">
-            <a:schemeClr val="lt1"/>
-          </a:fontRef>
-        </p:style>
-        <p:txBody>
-          <a:bodyPr wrap="square" rtlCol="0" anchor="ctr">
-            <a:noAutofit/>
-          </a:bodyPr>
-          <a:lstStyle/>
-          <a:p>
-            <a:pPr algn="ctr"/>
-            <a:endParaRPr lang="en-US" dirty="0"/>
-          </a:p>
-        </p:txBody>
-      </p:sp>
-      <p:sp>
-        <p:nvSpPr>
-          <p:cNvPr id="28" name="Freeform: Shape 19">
-            <a:extLst>
-              <a:ext uri="{FF2B5EF4-FFF2-40B4-BE49-F238E27FC236}">
-                <a16:creationId xmlns:a16="http://schemas.microsoft.com/office/drawing/2014/main" id="{1DF94A24-8152-43C5-86F3-5CC95D8090E2}"/>
-              </a:ext>
-              <a:ext uri="{C183D7F6-B498-43B3-948B-1728B52AA6E4}">
-                <adec:decorative xmlns:adec="http://schemas.microsoft.com/office/drawing/2017/decorative" val="1"/>
-              </a:ext>
-            </a:extLst>
-          </p:cNvPr>
-          <p:cNvSpPr>
-            <a:spLocks noGrp="1" noRot="1" noChangeAspect="1" noMove="1" noResize="1" noEditPoints="1" noAdjustHandles="1" noChangeArrowheads="1" noChangeShapeType="1" noTextEdit="1"/>
-          </p:cNvSpPr>
-          <p:nvPr>
-            <p:extLst>
-              <p:ext uri="{386F3935-93C4-4BCD-93E2-E3B085C9AB24}">
-                <p16:designElem xmlns:p16="http://schemas.microsoft.com/office/powerpoint/2015/main" val="1"/>
-              </p:ext>
-            </p:extLst>
-          </p:nvPr>
-        </p:nvSpPr>
-        <p:spPr>
-          <a:xfrm rot="16200000" flipH="1" flipV="1">
-            <a:off x="1127553" y="-1127553"/>
-            <a:ext cx="6858000" cy="9113106"/>
-          </a:xfrm>
-          <a:custGeom>
-            <a:avLst/>
-            <a:gdLst>
-              <a:gd name="connsiteX0" fmla="*/ 0 w 6858000"/>
-              <a:gd name="connsiteY0" fmla="*/ 7143270 h 9113106"/>
-              <a:gd name="connsiteX1" fmla="*/ 0 w 6858000"/>
-              <a:gd name="connsiteY1" fmla="*/ 6878623 h 9113106"/>
-              <a:gd name="connsiteX2" fmla="*/ 1 w 6858000"/>
-              <a:gd name="connsiteY2" fmla="*/ 6878623 h 9113106"/>
-              <a:gd name="connsiteX3" fmla="*/ 0 w 6858000"/>
-              <a:gd name="connsiteY3" fmla="*/ 4319945 h 9113106"/>
-              <a:gd name="connsiteX4" fmla="*/ 1 w 6858000"/>
-              <a:gd name="connsiteY4" fmla="*/ 4319945 h 9113106"/>
-              <a:gd name="connsiteX5" fmla="*/ 1 w 6858000"/>
-              <a:gd name="connsiteY5" fmla="*/ 13542 h 9113106"/>
-              <a:gd name="connsiteX6" fmla="*/ 0 w 6858000"/>
-              <a:gd name="connsiteY6" fmla="*/ 13540 h 9113106"/>
-              <a:gd name="connsiteX7" fmla="*/ 0 w 6858000"/>
-              <a:gd name="connsiteY7" fmla="*/ 0 h 9113106"/>
-              <a:gd name="connsiteX8" fmla="*/ 6858000 w 6858000"/>
-              <a:gd name="connsiteY8" fmla="*/ 6010591 h 9113106"/>
-              <a:gd name="connsiteX9" fmla="*/ 6858000 w 6858000"/>
-              <a:gd name="connsiteY9" fmla="*/ 3794798 h 9113106"/>
-              <a:gd name="connsiteX10" fmla="*/ 6858000 w 6858000"/>
-              <a:gd name="connsiteY10" fmla="*/ 3794798 h 9113106"/>
-              <a:gd name="connsiteX11" fmla="*/ 6858000 w 6858000"/>
-              <a:gd name="connsiteY11" fmla="*/ 3837120 h 9113106"/>
-              <a:gd name="connsiteX12" fmla="*/ 6858000 w 6858000"/>
-              <a:gd name="connsiteY12" fmla="*/ 6838049 h 9113106"/>
-              <a:gd name="connsiteX13" fmla="*/ 6858000 w 6858000"/>
-              <a:gd name="connsiteY13" fmla="*/ 9113106 h 9113106"/>
-              <a:gd name="connsiteX14" fmla="*/ 1 w 6858000"/>
-              <a:gd name="connsiteY14" fmla="*/ 9113106 h 9113106"/>
-              <a:gd name="connsiteX15" fmla="*/ 1 w 6858000"/>
-              <a:gd name="connsiteY15" fmla="*/ 7143270 h 9113106"/>
-            </a:gdLst>
-            <a:ahLst/>
-            <a:cxnLst>
-              <a:cxn ang="0">
-                <a:pos x="connsiteX0" y="connsiteY0"/>
-              </a:cxn>
-              <a:cxn ang="0">
-                <a:pos x="connsiteX1" y="connsiteY1"/>
-              </a:cxn>
-              <a:cxn ang="0">
-                <a:pos x="connsiteX2" y="connsiteY2"/>
-              </a:cxn>
-              <a:cxn ang="0">
-                <a:pos x="connsiteX3" y="connsiteY3"/>
-              </a:cxn>
-              <a:cxn ang="0">
-                <a:pos x="connsiteX4" y="connsiteY4"/>
-              </a:cxn>
-              <a:cxn ang="0">
-                <a:pos x="connsiteX5" y="connsiteY5"/>
-              </a:cxn>
-              <a:cxn ang="0">
-                <a:pos x="connsiteX6" y="connsiteY6"/>
-              </a:cxn>
-              <a:cxn ang="0">
-                <a:pos x="connsiteX7" y="connsiteY7"/>
-              </a:cxn>
-              <a:cxn ang="0">
-                <a:pos x="connsiteX8" y="connsiteY8"/>
-              </a:cxn>
-              <a:cxn ang="0">
-                <a:pos x="connsiteX9" y="connsiteY9"/>
-              </a:cxn>
-              <a:cxn ang="0">
-                <a:pos x="connsiteX10" y="connsiteY10"/>
-              </a:cxn>
-              <a:cxn ang="0">
-                <a:pos x="connsiteX11" y="connsiteY11"/>
-              </a:cxn>
-              <a:cxn ang="0">
-                <a:pos x="connsiteX12" y="connsiteY12"/>
-              </a:cxn>
-              <a:cxn ang="0">
-                <a:pos x="connsiteX13" y="connsiteY13"/>
-              </a:cxn>
-              <a:cxn ang="0">
-                <a:pos x="connsiteX14" y="connsiteY14"/>
-              </a:cxn>
-              <a:cxn ang="0">
-                <a:pos x="connsiteX15" y="connsiteY15"/>
-              </a:cxn>
-            </a:cxnLst>
-            <a:rect l="l" t="t" r="r" b="b"/>
-            <a:pathLst>
-              <a:path w="6858000" h="9113106">
-                <a:moveTo>
-                  <a:pt x="0" y="7143270"/>
-                </a:moveTo>
-                <a:lnTo>
-                  <a:pt x="0" y="6878623"/>
-                </a:lnTo>
-                <a:lnTo>
-                  <a:pt x="1" y="6878623"/>
-                </a:lnTo>
-                <a:lnTo>
-                  <a:pt x="0" y="4319945"/>
-                </a:lnTo>
-                <a:lnTo>
-                  <a:pt x="1" y="4319945"/>
-                </a:lnTo>
-                <a:lnTo>
-                  <a:pt x="1" y="13542"/>
-                </a:lnTo>
-                <a:lnTo>
-                  <a:pt x="0" y="13540"/>
-                </a:lnTo>
-                <a:lnTo>
-                  <a:pt x="0" y="0"/>
-                </a:lnTo>
-                <a:lnTo>
-                  <a:pt x="6858000" y="6010591"/>
-                </a:lnTo>
-                <a:lnTo>
-                  <a:pt x="6858000" y="3794798"/>
-                </a:lnTo>
-                <a:lnTo>
-                  <a:pt x="6858000" y="3794798"/>
-                </a:lnTo>
-                <a:lnTo>
-                  <a:pt x="6858000" y="3837120"/>
-                </a:lnTo>
-                <a:lnTo>
-                  <a:pt x="6858000" y="6838049"/>
-                </a:lnTo>
-                <a:lnTo>
-                  <a:pt x="6858000" y="9113106"/>
-                </a:lnTo>
-                <a:lnTo>
-                  <a:pt x="1" y="9113106"/>
-                </a:lnTo>
-                <a:lnTo>
-                  <a:pt x="1" y="7143270"/>
-                </a:lnTo>
-                <a:close/>
-              </a:path>
-            </a:pathLst>
-          </a:custGeom>
-          <a:solidFill>
-            <a:srgbClr val="000000">
-              <a:alpha val="60000"/>
-            </a:srgbClr>
-          </a:solidFill>
-          <a:ln>
-            <a:noFill/>
-          </a:ln>
-        </p:spPr>
-        <p:style>
-          <a:lnRef idx="2">
-            <a:schemeClr val="accent1">
-              <a:shade val="50000"/>
-            </a:schemeClr>
-          </a:lnRef>
-          <a:fillRef idx="1">
-            <a:schemeClr val="accent1"/>
-          </a:fillRef>
-          <a:effectRef idx="0">
-            <a:schemeClr val="accent1"/>
-          </a:effectRef>
-          <a:fontRef idx="minor">
-            <a:schemeClr val="lt1"/>
-          </a:fontRef>
-        </p:style>
-        <p:txBody>
-          <a:bodyPr wrap="square" rtlCol="0" anchor="ctr">
-            <a:noAutofit/>
-          </a:bodyPr>
-          <a:lstStyle/>
-          <a:p>
-            <a:pPr algn="ctr"/>
-            <a:endParaRPr lang="en-US"/>
-          </a:p>
-        </p:txBody>
-      </p:sp>
       <p:sp>
         <p:nvSpPr>
           <p:cNvPr id="2" name="Title 1">
@@ -4877,6 +4459,380 @@
           <a:chExt cx="0" cy="0"/>
         </a:xfrm>
       </p:grpSpPr>
+      <p:pic>
+        <p:nvPicPr>
+          <p:cNvPr id="5" name="Picture 4" descr="Scaletta lunga incandescente tra scale opache più corte">
+            <a:extLst>
+              <a:ext uri="{FF2B5EF4-FFF2-40B4-BE49-F238E27FC236}">
+                <a16:creationId xmlns:a16="http://schemas.microsoft.com/office/drawing/2014/main" id="{6243C649-215A-4C33-8EAC-A5911C807976}"/>
+              </a:ext>
+            </a:extLst>
+          </p:cNvPr>
+          <p:cNvPicPr>
+            <a:picLocks noChangeAspect="1"/>
+          </p:cNvPicPr>
+          <p:nvPr/>
+        </p:nvPicPr>
+        <p:blipFill rotWithShape="1">
+          <a:blip r:embed="rId2"/>
+          <a:srcRect t="25000"/>
+          <a:stretch/>
+        </p:blipFill>
+        <p:spPr>
+          <a:xfrm>
+            <a:off x="20" y="-3"/>
+            <a:ext cx="12191979" cy="6858004"/>
+          </a:xfrm>
+          <a:prstGeom prst="rect">
+            <a:avLst/>
+          </a:prstGeom>
+        </p:spPr>
+      </p:pic>
+      <p:sp>
+        <p:nvSpPr>
+          <p:cNvPr id="2" name="Title 1">
+            <a:extLst>
+              <a:ext uri="{FF2B5EF4-FFF2-40B4-BE49-F238E27FC236}">
+                <a16:creationId xmlns:a16="http://schemas.microsoft.com/office/drawing/2014/main" id="{F6820CED-1B07-564C-8CCA-21852AA7B18F}"/>
+              </a:ext>
+            </a:extLst>
+          </p:cNvPr>
+          <p:cNvSpPr>
+            <a:spLocks noGrp="1"/>
+          </p:cNvSpPr>
+          <p:nvPr>
+            <p:ph type="title"/>
+          </p:nvPr>
+        </p:nvSpPr>
+        <p:spPr>
+          <a:xfrm>
+            <a:off x="1143000" y="1181101"/>
+            <a:ext cx="4953000" cy="2247899"/>
+          </a:xfrm>
+        </p:spPr>
+        <p:txBody>
+          <a:bodyPr vert="horz" lIns="91440" tIns="45720" rIns="91440" bIns="45720" rtlCol="0" anchor="t">
+            <a:normAutofit/>
+          </a:bodyPr>
+          <a:lstStyle/>
+          <a:p>
+            <a:r>
+              <a:rPr lang="en-US" sz="4800" cap="all" spc="300">
+                <a:solidFill>
+                  <a:srgbClr val="FFFFFF"/>
+                </a:solidFill>
+              </a:rPr>
+              <a:t>Spark - Scala</a:t>
+            </a:r>
+          </a:p>
+        </p:txBody>
+      </p:sp>
+    </p:spTree>
+    <p:extLst>
+      <p:ext uri="{BB962C8B-B14F-4D97-AF65-F5344CB8AC3E}">
+        <p14:creationId xmlns:p14="http://schemas.microsoft.com/office/powerpoint/2010/main" val="1430180438"/>
+      </p:ext>
+    </p:extLst>
+  </p:cSld>
+  <p:clrMapOvr>
+    <a:masterClrMapping/>
+  </p:clrMapOvr>
+</p:sld>
+</file>
+
+<file path=ppt/slides/slide13.xml><?xml version="1.0" encoding="utf-8"?>
+<p:sld xmlns:a="http://schemas.openxmlformats.org/drawingml/2006/main" xmlns:r="http://schemas.openxmlformats.org/officeDocument/2006/relationships" xmlns:p="http://schemas.openxmlformats.org/presentationml/2006/main">
+  <p:cSld>
+    <p:spTree>
+      <p:nvGrpSpPr>
+        <p:cNvPr id="1" name=""/>
+        <p:cNvGrpSpPr/>
+        <p:nvPr/>
+      </p:nvGrpSpPr>
+      <p:grpSpPr>
+        <a:xfrm>
+          <a:off x="0" y="0"/>
+          <a:ext cx="0" cy="0"/>
+          <a:chOff x="0" y="0"/>
+          <a:chExt cx="0" cy="0"/>
+        </a:xfrm>
+      </p:grpSpPr>
+      <p:sp>
+        <p:nvSpPr>
+          <p:cNvPr id="2" name="Title 1">
+            <a:extLst>
+              <a:ext uri="{FF2B5EF4-FFF2-40B4-BE49-F238E27FC236}">
+                <a16:creationId xmlns:a16="http://schemas.microsoft.com/office/drawing/2014/main" id="{D5697042-174E-AC4F-90CF-E2FDB9F9995E}"/>
+              </a:ext>
+            </a:extLst>
+          </p:cNvPr>
+          <p:cNvSpPr>
+            <a:spLocks noGrp="1"/>
+          </p:cNvSpPr>
+          <p:nvPr>
+            <p:ph type="title"/>
+          </p:nvPr>
+        </p:nvSpPr>
+        <p:spPr/>
+        <p:txBody>
+          <a:bodyPr/>
+          <a:lstStyle/>
+          <a:p>
+            <a:r>
+              <a:rPr lang="en-CO" dirty="0"/>
+              <a:t>Importing Data</a:t>
+            </a:r>
+          </a:p>
+        </p:txBody>
+      </p:sp>
+      <p:pic>
+        <p:nvPicPr>
+          <p:cNvPr id="5" name="Content Placeholder 4" descr="Text&#10;&#10;Description automatically generated">
+            <a:extLst>
+              <a:ext uri="{FF2B5EF4-FFF2-40B4-BE49-F238E27FC236}">
+                <a16:creationId xmlns:a16="http://schemas.microsoft.com/office/drawing/2014/main" id="{4FE50158-FD6A-A540-AE5F-8239BD24DBCD}"/>
+              </a:ext>
+            </a:extLst>
+          </p:cNvPr>
+          <p:cNvPicPr>
+            <a:picLocks noGrp="1" noChangeAspect="1"/>
+          </p:cNvPicPr>
+          <p:nvPr>
+            <p:ph idx="1"/>
+          </p:nvPr>
+        </p:nvPicPr>
+        <p:blipFill>
+          <a:blip r:embed="rId2"/>
+          <a:stretch>
+            <a:fillRect/>
+          </a:stretch>
+        </p:blipFill>
+        <p:spPr>
+          <a:xfrm>
+            <a:off x="1143000" y="2813544"/>
+            <a:ext cx="9906000" cy="2604100"/>
+          </a:xfrm>
+        </p:spPr>
+      </p:pic>
+    </p:spTree>
+    <p:extLst>
+      <p:ext uri="{BB962C8B-B14F-4D97-AF65-F5344CB8AC3E}">
+        <p14:creationId xmlns:p14="http://schemas.microsoft.com/office/powerpoint/2010/main" val="3032995578"/>
+      </p:ext>
+    </p:extLst>
+  </p:cSld>
+  <p:clrMapOvr>
+    <a:masterClrMapping/>
+  </p:clrMapOvr>
+</p:sld>
+</file>
+
+<file path=ppt/slides/slide14.xml><?xml version="1.0" encoding="utf-8"?>
+<p:sld xmlns:a="http://schemas.openxmlformats.org/drawingml/2006/main" xmlns:r="http://schemas.openxmlformats.org/officeDocument/2006/relationships" xmlns:p="http://schemas.openxmlformats.org/presentationml/2006/main">
+  <p:cSld>
+    <p:spTree>
+      <p:nvGrpSpPr>
+        <p:cNvPr id="1" name=""/>
+        <p:cNvGrpSpPr/>
+        <p:nvPr/>
+      </p:nvGrpSpPr>
+      <p:grpSpPr>
+        <a:xfrm>
+          <a:off x="0" y="0"/>
+          <a:ext cx="0" cy="0"/>
+          <a:chOff x="0" y="0"/>
+          <a:chExt cx="0" cy="0"/>
+        </a:xfrm>
+      </p:grpSpPr>
+      <p:sp>
+        <p:nvSpPr>
+          <p:cNvPr id="2" name="Title 1">
+            <a:extLst>
+              <a:ext uri="{FF2B5EF4-FFF2-40B4-BE49-F238E27FC236}">
+                <a16:creationId xmlns:a16="http://schemas.microsoft.com/office/drawing/2014/main" id="{D5697042-174E-AC4F-90CF-E2FDB9F9995E}"/>
+              </a:ext>
+            </a:extLst>
+          </p:cNvPr>
+          <p:cNvSpPr>
+            <a:spLocks noGrp="1"/>
+          </p:cNvSpPr>
+          <p:nvPr>
+            <p:ph type="title"/>
+          </p:nvPr>
+        </p:nvSpPr>
+        <p:spPr/>
+        <p:txBody>
+          <a:bodyPr/>
+          <a:lstStyle/>
+          <a:p>
+            <a:r>
+              <a:rPr lang="en-CO" dirty="0"/>
+              <a:t>Sampling</a:t>
+            </a:r>
+          </a:p>
+        </p:txBody>
+      </p:sp>
+      <p:pic>
+        <p:nvPicPr>
+          <p:cNvPr id="4" name="Picture 3" descr="Text&#10;&#10;Description automatically generated">
+            <a:extLst>
+              <a:ext uri="{FF2B5EF4-FFF2-40B4-BE49-F238E27FC236}">
+                <a16:creationId xmlns:a16="http://schemas.microsoft.com/office/drawing/2014/main" id="{0FE31830-6FAA-7445-99FB-C4314179C927}"/>
+              </a:ext>
+            </a:extLst>
+          </p:cNvPr>
+          <p:cNvPicPr>
+            <a:picLocks noChangeAspect="1"/>
+          </p:cNvPicPr>
+          <p:nvPr/>
+        </p:nvPicPr>
+        <p:blipFill>
+          <a:blip r:embed="rId2"/>
+          <a:stretch>
+            <a:fillRect/>
+          </a:stretch>
+        </p:blipFill>
+        <p:spPr>
+          <a:xfrm>
+            <a:off x="966500" y="2564195"/>
+            <a:ext cx="10259000" cy="2312605"/>
+          </a:xfrm>
+          <a:prstGeom prst="rect">
+            <a:avLst/>
+          </a:prstGeom>
+        </p:spPr>
+      </p:pic>
+    </p:spTree>
+    <p:extLst>
+      <p:ext uri="{BB962C8B-B14F-4D97-AF65-F5344CB8AC3E}">
+        <p14:creationId xmlns:p14="http://schemas.microsoft.com/office/powerpoint/2010/main" val="1876969810"/>
+      </p:ext>
+    </p:extLst>
+  </p:cSld>
+  <p:clrMapOvr>
+    <a:masterClrMapping/>
+  </p:clrMapOvr>
+</p:sld>
+</file>
+
+<file path=ppt/slides/slide15.xml><?xml version="1.0" encoding="utf-8"?>
+<p:sld xmlns:a="http://schemas.openxmlformats.org/drawingml/2006/main" xmlns:r="http://schemas.openxmlformats.org/officeDocument/2006/relationships" xmlns:p="http://schemas.openxmlformats.org/presentationml/2006/main">
+  <p:cSld>
+    <p:spTree>
+      <p:nvGrpSpPr>
+        <p:cNvPr id="1" name=""/>
+        <p:cNvGrpSpPr/>
+        <p:nvPr/>
+      </p:nvGrpSpPr>
+      <p:grpSpPr>
+        <a:xfrm>
+          <a:off x="0" y="0"/>
+          <a:ext cx="0" cy="0"/>
+          <a:chOff x="0" y="0"/>
+          <a:chExt cx="0" cy="0"/>
+        </a:xfrm>
+      </p:grpSpPr>
+      <p:sp>
+        <p:nvSpPr>
+          <p:cNvPr id="2" name="Title 1">
+            <a:extLst>
+              <a:ext uri="{FF2B5EF4-FFF2-40B4-BE49-F238E27FC236}">
+                <a16:creationId xmlns:a16="http://schemas.microsoft.com/office/drawing/2014/main" id="{D5697042-174E-AC4F-90CF-E2FDB9F9995E}"/>
+              </a:ext>
+            </a:extLst>
+          </p:cNvPr>
+          <p:cNvSpPr>
+            <a:spLocks noGrp="1"/>
+          </p:cNvSpPr>
+          <p:nvPr>
+            <p:ph type="title"/>
+          </p:nvPr>
+        </p:nvSpPr>
+        <p:spPr>
+          <a:xfrm>
+            <a:off x="994831" y="884766"/>
+            <a:ext cx="9905999" cy="1360898"/>
+          </a:xfrm>
+        </p:spPr>
+        <p:txBody>
+          <a:bodyPr/>
+          <a:lstStyle/>
+          <a:p>
+            <a:r>
+              <a:rPr lang="en-CO" dirty="0"/>
+              <a:t>Iterate</a:t>
+            </a:r>
+          </a:p>
+        </p:txBody>
+      </p:sp>
+      <p:pic>
+        <p:nvPicPr>
+          <p:cNvPr id="5" name="Picture 4" descr="Text&#10;&#10;Description automatically generated">
+            <a:extLst>
+              <a:ext uri="{FF2B5EF4-FFF2-40B4-BE49-F238E27FC236}">
+                <a16:creationId xmlns:a16="http://schemas.microsoft.com/office/drawing/2014/main" id="{50777DAA-40F8-BB42-9F4C-F8B9E1D6AFD2}"/>
+              </a:ext>
+            </a:extLst>
+          </p:cNvPr>
+          <p:cNvPicPr>
+            <a:picLocks noChangeAspect="1"/>
+          </p:cNvPicPr>
+          <p:nvPr/>
+        </p:nvPicPr>
+        <p:blipFill>
+          <a:blip r:embed="rId2"/>
+          <a:stretch>
+            <a:fillRect/>
+          </a:stretch>
+        </p:blipFill>
+        <p:spPr>
+          <a:xfrm>
+            <a:off x="1904998" y="2349696"/>
+            <a:ext cx="8085667" cy="3623538"/>
+          </a:xfrm>
+          <a:prstGeom prst="rect">
+            <a:avLst/>
+          </a:prstGeom>
+        </p:spPr>
+      </p:pic>
+    </p:spTree>
+    <p:extLst>
+      <p:ext uri="{BB962C8B-B14F-4D97-AF65-F5344CB8AC3E}">
+        <p14:creationId xmlns:p14="http://schemas.microsoft.com/office/powerpoint/2010/main" val="2642870741"/>
+      </p:ext>
+    </p:extLst>
+  </p:cSld>
+  <p:clrMapOvr>
+    <a:masterClrMapping/>
+  </p:clrMapOvr>
+</p:sld>
+</file>
+
+<file path=ppt/slides/slide16.xml><?xml version="1.0" encoding="utf-8"?>
+<p:sld xmlns:a="http://schemas.openxmlformats.org/drawingml/2006/main" xmlns:r="http://schemas.openxmlformats.org/officeDocument/2006/relationships" xmlns:p="http://schemas.openxmlformats.org/presentationml/2006/main">
+  <p:cSld>
+    <p:bg>
+      <p:bgPr>
+        <a:solidFill>
+          <a:schemeClr val="bg1"/>
+        </a:solidFill>
+        <a:effectLst/>
+      </p:bgPr>
+    </p:bg>
+    <p:spTree>
+      <p:nvGrpSpPr>
+        <p:cNvPr id="1" name=""/>
+        <p:cNvGrpSpPr/>
+        <p:nvPr/>
+      </p:nvGrpSpPr>
+      <p:grpSpPr>
+        <a:xfrm>
+          <a:off x="0" y="0"/>
+          <a:ext cx="0" cy="0"/>
+          <a:chOff x="0" y="0"/>
+          <a:chExt cx="0" cy="0"/>
+        </a:xfrm>
+      </p:grpSpPr>
       <p:sp>
         <p:nvSpPr>
           <p:cNvPr id="9" name="Freeform: Shape 8">
@@ -5034,7 +4990,7 @@
           <p:cNvPr id="13" name="Rectangle 12">
             <a:extLst>
               <a:ext uri="{FF2B5EF4-FFF2-40B4-BE49-F238E27FC236}">
-                <a16:creationId xmlns:a16="http://schemas.microsoft.com/office/drawing/2014/main" id="{4DE524F2-C7AF-4466-BA99-09C19DE0D819}"/>
+                <a16:creationId xmlns:a16="http://schemas.microsoft.com/office/drawing/2014/main" id="{70105F5E-5B61-4F51-927C-5B28DB7DD9BB}"/>
               </a:ext>
               <a:ext uri="{C183D7F6-B498-43B3-948B-1728B52AA6E4}">
                 <adec:decorative xmlns:adec="http://schemas.microsoft.com/office/drawing/2017/decorative" val="1"/>
@@ -5105,41 +5061,12 @@
           </a:p>
         </p:txBody>
       </p:sp>
-      <p:pic>
-        <p:nvPicPr>
-          <p:cNvPr id="5" name="Picture 4" descr="Scaletta lunga incandescente tra scale opache più corte">
-            <a:extLst>
-              <a:ext uri="{FF2B5EF4-FFF2-40B4-BE49-F238E27FC236}">
-                <a16:creationId xmlns:a16="http://schemas.microsoft.com/office/drawing/2014/main" id="{6243C649-215A-4C33-8EAC-A5911C807976}"/>
-              </a:ext>
-            </a:extLst>
-          </p:cNvPr>
-          <p:cNvPicPr>
-            <a:picLocks noChangeAspect="1"/>
-          </p:cNvPicPr>
-          <p:nvPr/>
-        </p:nvPicPr>
-        <p:blipFill rotWithShape="1">
-          <a:blip r:embed="rId2"/>
-          <a:srcRect t="25000"/>
-          <a:stretch/>
-        </p:blipFill>
-        <p:spPr>
-          <a:xfrm>
-            <a:off x="20" y="-3"/>
-            <a:ext cx="12191979" cy="6858004"/>
-          </a:xfrm>
-          <a:prstGeom prst="rect">
-            <a:avLst/>
-          </a:prstGeom>
-        </p:spPr>
-      </p:pic>
       <p:sp>
         <p:nvSpPr>
           <p:cNvPr id="15" name="Freeform: Shape 14">
             <a:extLst>
               <a:ext uri="{FF2B5EF4-FFF2-40B4-BE49-F238E27FC236}">
-                <a16:creationId xmlns:a16="http://schemas.microsoft.com/office/drawing/2014/main" id="{904E317E-14BB-4200-84F3-2064B4C971B7}"/>
+                <a16:creationId xmlns:a16="http://schemas.microsoft.com/office/drawing/2014/main" id="{01BF472D-922F-4673-A4FE-0FC2B18B051A}"/>
               </a:ext>
               <a:ext uri="{C183D7F6-B498-43B3-948B-1728B52AA6E4}">
                 <adec:decorative xmlns:adec="http://schemas.microsoft.com/office/drawing/2017/decorative" val="1"/>
@@ -5159,42 +5086,24 @@
         </p:nvSpPr>
         <p:spPr>
           <a:xfrm>
-            <a:off x="7523854" y="1544347"/>
-            <a:ext cx="4676439" cy="5313651"/>
+            <a:off x="1" y="0"/>
+            <a:ext cx="11317267" cy="6858000"/>
           </a:xfrm>
           <a:custGeom>
             <a:avLst/>
             <a:gdLst>
-              <a:gd name="connsiteX0" fmla="*/ 6846874 w 6846874"/>
-              <a:gd name="connsiteY0" fmla="*/ 3021586 h 3021586"/>
-              <a:gd name="connsiteX1" fmla="*/ 0 w 6846874"/>
-              <a:gd name="connsiteY1" fmla="*/ 3021585 h 3021586"/>
-              <a:gd name="connsiteX2" fmla="*/ 3399286 w 6846874"/>
-              <a:gd name="connsiteY2" fmla="*/ 0 h 3021586"/>
-              <a:gd name="connsiteX0" fmla="*/ 6846874 w 6846874"/>
-              <a:gd name="connsiteY0" fmla="*/ 3016405 h 3016405"/>
-              <a:gd name="connsiteX1" fmla="*/ 0 w 6846874"/>
-              <a:gd name="connsiteY1" fmla="*/ 3016404 h 3016405"/>
-              <a:gd name="connsiteX2" fmla="*/ 3425190 w 6846874"/>
-              <a:gd name="connsiteY2" fmla="*/ 0 h 3016405"/>
-              <a:gd name="connsiteX3" fmla="*/ 6846874 w 6846874"/>
-              <a:gd name="connsiteY3" fmla="*/ 3016405 h 3016405"/>
-              <a:gd name="connsiteX0" fmla="*/ 6846874 w 6846874"/>
-              <a:gd name="connsiteY0" fmla="*/ 3055286 h 3055286"/>
-              <a:gd name="connsiteX1" fmla="*/ 0 w 6846874"/>
-              <a:gd name="connsiteY1" fmla="*/ 3055285 h 3055286"/>
-              <a:gd name="connsiteX2" fmla="*/ 3425190 w 6846874"/>
-              <a:gd name="connsiteY2" fmla="*/ 0 h 3055286"/>
-              <a:gd name="connsiteX3" fmla="*/ 6846874 w 6846874"/>
-              <a:gd name="connsiteY3" fmla="*/ 3055286 h 3055286"/>
-              <a:gd name="connsiteX0" fmla="*/ 6846874 w 6846874"/>
-              <a:gd name="connsiteY0" fmla="*/ 5422604 h 5422604"/>
-              <a:gd name="connsiteX1" fmla="*/ 0 w 6846874"/>
-              <a:gd name="connsiteY1" fmla="*/ 5422603 h 5422604"/>
-              <a:gd name="connsiteX2" fmla="*/ 6839561 w 6846874"/>
-              <a:gd name="connsiteY2" fmla="*/ 0 h 5422604"/>
-              <a:gd name="connsiteX3" fmla="*/ 6846874 w 6846874"/>
-              <a:gd name="connsiteY3" fmla="*/ 5422604 h 5422604"/>
+              <a:gd name="connsiteX0" fmla="*/ 0 w 11317267"/>
+              <a:gd name="connsiteY0" fmla="*/ 0 h 6858000"/>
+              <a:gd name="connsiteX1" fmla="*/ 11317267 w 11317267"/>
+              <a:gd name="connsiteY1" fmla="*/ 0 h 6858000"/>
+              <a:gd name="connsiteX2" fmla="*/ 5306679 w 11317267"/>
+              <a:gd name="connsiteY2" fmla="*/ 6857996 h 6858000"/>
+              <a:gd name="connsiteX3" fmla="*/ 5306677 w 11317267"/>
+              <a:gd name="connsiteY3" fmla="*/ 6857998 h 6858000"/>
+              <a:gd name="connsiteX4" fmla="*/ 5306675 w 11317267"/>
+              <a:gd name="connsiteY4" fmla="*/ 6858000 h 6858000"/>
+              <a:gd name="connsiteX5" fmla="*/ 0 w 11317267"/>
+              <a:gd name="connsiteY5" fmla="*/ 6858000 h 6858000"/>
             </a:gdLst>
             <a:ahLst/>
             <a:cxnLst>
@@ -5210,32 +5119,42 @@
               <a:cxn ang="0">
                 <a:pos x="connsiteX3" y="connsiteY3"/>
               </a:cxn>
+              <a:cxn ang="0">
+                <a:pos x="connsiteX4" y="connsiteY4"/>
+              </a:cxn>
+              <a:cxn ang="0">
+                <a:pos x="connsiteX5" y="connsiteY5"/>
+              </a:cxn>
             </a:cxnLst>
             <a:rect l="l" t="t" r="r" b="b"/>
             <a:pathLst>
-              <a:path w="6846874" h="5422604">
+              <a:path w="11317267" h="6858000">
                 <a:moveTo>
-                  <a:pt x="6846874" y="5422604"/>
+                  <a:pt x="0" y="0"/>
                 </a:moveTo>
                 <a:lnTo>
-                  <a:pt x="0" y="5422603"/>
+                  <a:pt x="11317267" y="0"/>
                 </a:lnTo>
                 <a:lnTo>
-                  <a:pt x="6839561" y="0"/>
+                  <a:pt x="5306679" y="6857996"/>
                 </a:lnTo>
                 <a:cubicBezTo>
-                  <a:pt x="6841999" y="1807535"/>
-                  <a:pt x="6844436" y="3615069"/>
-                  <a:pt x="6846874" y="5422604"/>
+                  <a:pt x="5306679" y="6857997"/>
+                  <a:pt x="5306677" y="6857997"/>
+                  <a:pt x="5306677" y="6857998"/>
                 </a:cubicBezTo>
+                <a:lnTo>
+                  <a:pt x="5306675" y="6858000"/>
+                </a:lnTo>
+                <a:lnTo>
+                  <a:pt x="0" y="6858000"/>
+                </a:lnTo>
                 <a:close/>
               </a:path>
             </a:pathLst>
           </a:custGeom>
           <a:solidFill>
-            <a:schemeClr val="bg2">
-              <a:alpha val="60000"/>
-            </a:schemeClr>
+            <a:schemeClr val="bg2"/>
           </a:solidFill>
           <a:ln w="12700" cap="flat" cmpd="sng" algn="ctr">
             <a:noFill/>
@@ -5267,212 +5186,6 @@
           <a:lstStyle/>
           <a:p>
             <a:pPr algn="ctr"/>
-            <a:endParaRPr lang="en-US" dirty="0"/>
-          </a:p>
-        </p:txBody>
-      </p:sp>
-      <p:sp>
-        <p:nvSpPr>
-          <p:cNvPr id="17" name="Freeform: Shape 16">
-            <a:extLst>
-              <a:ext uri="{FF2B5EF4-FFF2-40B4-BE49-F238E27FC236}">
-                <a16:creationId xmlns:a16="http://schemas.microsoft.com/office/drawing/2014/main" id="{1DF94A24-8152-43C5-86F3-5CC95D8090E2}"/>
-              </a:ext>
-              <a:ext uri="{C183D7F6-B498-43B3-948B-1728B52AA6E4}">
-                <adec:decorative xmlns:adec="http://schemas.microsoft.com/office/drawing/2017/decorative" val="1"/>
-              </a:ext>
-            </a:extLst>
-          </p:cNvPr>
-          <p:cNvSpPr>
-            <a:spLocks noGrp="1" noRot="1" noChangeAspect="1" noMove="1" noResize="1" noEditPoints="1" noAdjustHandles="1" noChangeArrowheads="1" noChangeShapeType="1" noTextEdit="1"/>
-          </p:cNvSpPr>
-          <p:nvPr>
-            <p:extLst>
-              <p:ext uri="{386F3935-93C4-4BCD-93E2-E3B085C9AB24}">
-                <p16:designElem xmlns:p16="http://schemas.microsoft.com/office/powerpoint/2015/main" val="1"/>
-              </p:ext>
-            </p:extLst>
-          </p:nvPr>
-        </p:nvSpPr>
-        <p:spPr>
-          <a:xfrm rot="16200000" flipH="1" flipV="1">
-            <a:off x="1127553" y="-1127553"/>
-            <a:ext cx="6858000" cy="9113106"/>
-          </a:xfrm>
-          <a:custGeom>
-            <a:avLst/>
-            <a:gdLst>
-              <a:gd name="connsiteX0" fmla="*/ 0 w 6858000"/>
-              <a:gd name="connsiteY0" fmla="*/ 7143270 h 9113106"/>
-              <a:gd name="connsiteX1" fmla="*/ 0 w 6858000"/>
-              <a:gd name="connsiteY1" fmla="*/ 6878623 h 9113106"/>
-              <a:gd name="connsiteX2" fmla="*/ 1 w 6858000"/>
-              <a:gd name="connsiteY2" fmla="*/ 6878623 h 9113106"/>
-              <a:gd name="connsiteX3" fmla="*/ 0 w 6858000"/>
-              <a:gd name="connsiteY3" fmla="*/ 4319945 h 9113106"/>
-              <a:gd name="connsiteX4" fmla="*/ 1 w 6858000"/>
-              <a:gd name="connsiteY4" fmla="*/ 4319945 h 9113106"/>
-              <a:gd name="connsiteX5" fmla="*/ 1 w 6858000"/>
-              <a:gd name="connsiteY5" fmla="*/ 13542 h 9113106"/>
-              <a:gd name="connsiteX6" fmla="*/ 0 w 6858000"/>
-              <a:gd name="connsiteY6" fmla="*/ 13540 h 9113106"/>
-              <a:gd name="connsiteX7" fmla="*/ 0 w 6858000"/>
-              <a:gd name="connsiteY7" fmla="*/ 0 h 9113106"/>
-              <a:gd name="connsiteX8" fmla="*/ 6858000 w 6858000"/>
-              <a:gd name="connsiteY8" fmla="*/ 6010591 h 9113106"/>
-              <a:gd name="connsiteX9" fmla="*/ 6858000 w 6858000"/>
-              <a:gd name="connsiteY9" fmla="*/ 3794798 h 9113106"/>
-              <a:gd name="connsiteX10" fmla="*/ 6858000 w 6858000"/>
-              <a:gd name="connsiteY10" fmla="*/ 3794798 h 9113106"/>
-              <a:gd name="connsiteX11" fmla="*/ 6858000 w 6858000"/>
-              <a:gd name="connsiteY11" fmla="*/ 3837120 h 9113106"/>
-              <a:gd name="connsiteX12" fmla="*/ 6858000 w 6858000"/>
-              <a:gd name="connsiteY12" fmla="*/ 6838049 h 9113106"/>
-              <a:gd name="connsiteX13" fmla="*/ 6858000 w 6858000"/>
-              <a:gd name="connsiteY13" fmla="*/ 9113106 h 9113106"/>
-              <a:gd name="connsiteX14" fmla="*/ 1 w 6858000"/>
-              <a:gd name="connsiteY14" fmla="*/ 9113106 h 9113106"/>
-              <a:gd name="connsiteX15" fmla="*/ 1 w 6858000"/>
-              <a:gd name="connsiteY15" fmla="*/ 7143270 h 9113106"/>
-            </a:gdLst>
-            <a:ahLst/>
-            <a:cxnLst>
-              <a:cxn ang="0">
-                <a:pos x="connsiteX0" y="connsiteY0"/>
-              </a:cxn>
-              <a:cxn ang="0">
-                <a:pos x="connsiteX1" y="connsiteY1"/>
-              </a:cxn>
-              <a:cxn ang="0">
-                <a:pos x="connsiteX2" y="connsiteY2"/>
-              </a:cxn>
-              <a:cxn ang="0">
-                <a:pos x="connsiteX3" y="connsiteY3"/>
-              </a:cxn>
-              <a:cxn ang="0">
-                <a:pos x="connsiteX4" y="connsiteY4"/>
-              </a:cxn>
-              <a:cxn ang="0">
-                <a:pos x="connsiteX5" y="connsiteY5"/>
-              </a:cxn>
-              <a:cxn ang="0">
-                <a:pos x="connsiteX6" y="connsiteY6"/>
-              </a:cxn>
-              <a:cxn ang="0">
-                <a:pos x="connsiteX7" y="connsiteY7"/>
-              </a:cxn>
-              <a:cxn ang="0">
-                <a:pos x="connsiteX8" y="connsiteY8"/>
-              </a:cxn>
-              <a:cxn ang="0">
-                <a:pos x="connsiteX9" y="connsiteY9"/>
-              </a:cxn>
-              <a:cxn ang="0">
-                <a:pos x="connsiteX10" y="connsiteY10"/>
-              </a:cxn>
-              <a:cxn ang="0">
-                <a:pos x="connsiteX11" y="connsiteY11"/>
-              </a:cxn>
-              <a:cxn ang="0">
-                <a:pos x="connsiteX12" y="connsiteY12"/>
-              </a:cxn>
-              <a:cxn ang="0">
-                <a:pos x="connsiteX13" y="connsiteY13"/>
-              </a:cxn>
-              <a:cxn ang="0">
-                <a:pos x="connsiteX14" y="connsiteY14"/>
-              </a:cxn>
-              <a:cxn ang="0">
-                <a:pos x="connsiteX15" y="connsiteY15"/>
-              </a:cxn>
-            </a:cxnLst>
-            <a:rect l="l" t="t" r="r" b="b"/>
-            <a:pathLst>
-              <a:path w="6858000" h="9113106">
-                <a:moveTo>
-                  <a:pt x="0" y="7143270"/>
-                </a:moveTo>
-                <a:lnTo>
-                  <a:pt x="0" y="6878623"/>
-                </a:lnTo>
-                <a:lnTo>
-                  <a:pt x="1" y="6878623"/>
-                </a:lnTo>
-                <a:lnTo>
-                  <a:pt x="0" y="4319945"/>
-                </a:lnTo>
-                <a:lnTo>
-                  <a:pt x="1" y="4319945"/>
-                </a:lnTo>
-                <a:lnTo>
-                  <a:pt x="1" y="13542"/>
-                </a:lnTo>
-                <a:lnTo>
-                  <a:pt x="0" y="13540"/>
-                </a:lnTo>
-                <a:lnTo>
-                  <a:pt x="0" y="0"/>
-                </a:lnTo>
-                <a:lnTo>
-                  <a:pt x="6858000" y="6010591"/>
-                </a:lnTo>
-                <a:lnTo>
-                  <a:pt x="6858000" y="3794798"/>
-                </a:lnTo>
-                <a:lnTo>
-                  <a:pt x="6858000" y="3794798"/>
-                </a:lnTo>
-                <a:lnTo>
-                  <a:pt x="6858000" y="3837120"/>
-                </a:lnTo>
-                <a:lnTo>
-                  <a:pt x="6858000" y="6838049"/>
-                </a:lnTo>
-                <a:lnTo>
-                  <a:pt x="6858000" y="9113106"/>
-                </a:lnTo>
-                <a:lnTo>
-                  <a:pt x="1" y="9113106"/>
-                </a:lnTo>
-                <a:lnTo>
-                  <a:pt x="1" y="7143270"/>
-                </a:lnTo>
-                <a:close/>
-              </a:path>
-            </a:pathLst>
-          </a:custGeom>
-          <a:solidFill>
-            <a:srgbClr val="000000">
-              <a:alpha val="60000"/>
-            </a:srgbClr>
-          </a:solidFill>
-          <a:ln>
-            <a:noFill/>
-          </a:ln>
-        </p:spPr>
-        <p:style>
-          <a:lnRef idx="2">
-            <a:schemeClr val="accent1">
-              <a:shade val="50000"/>
-            </a:schemeClr>
-          </a:lnRef>
-          <a:fillRef idx="1">
-            <a:schemeClr val="accent1"/>
-          </a:fillRef>
-          <a:effectRef idx="0">
-            <a:schemeClr val="accent1"/>
-          </a:effectRef>
-          <a:fontRef idx="minor">
-            <a:schemeClr val="lt1"/>
-          </a:fontRef>
-        </p:style>
-        <p:txBody>
-          <a:bodyPr wrap="square" rtlCol="0" anchor="ctr">
-            <a:noAutofit/>
-          </a:bodyPr>
-          <a:lstStyle/>
-          <a:p>
-            <a:pPr algn="ctr"/>
             <a:endParaRPr lang="en-US"/>
           </a:p>
         </p:txBody>
@@ -5482,7 +5195,7 @@
           <p:cNvPr id="2" name="Title 1">
             <a:extLst>
               <a:ext uri="{FF2B5EF4-FFF2-40B4-BE49-F238E27FC236}">
-                <a16:creationId xmlns:a16="http://schemas.microsoft.com/office/drawing/2014/main" id="{F6820CED-1B07-564C-8CCA-21852AA7B18F}"/>
+                <a16:creationId xmlns:a16="http://schemas.microsoft.com/office/drawing/2014/main" id="{A222B04E-F85F-4D48-98E1-00A9C23672B7}"/>
               </a:ext>
             </a:extLst>
           </p:cNvPr>
@@ -5495,8 +5208,8 @@
         </p:nvSpPr>
         <p:spPr>
           <a:xfrm>
-            <a:off x="1143000" y="1181101"/>
-            <a:ext cx="4953000" cy="2247899"/>
+            <a:off x="1160891" y="1061686"/>
+            <a:ext cx="6939044" cy="2789017"/>
           </a:xfrm>
         </p:spPr>
         <p:txBody>
@@ -5506,185 +5219,45 @@
           <a:lstStyle/>
           <a:p>
             <a:r>
-              <a:rPr lang="en-US" sz="4800" cap="all" spc="300">
-                <a:solidFill>
-                  <a:srgbClr val="FFFFFF"/>
-                </a:solidFill>
-              </a:rPr>
-              <a:t>Spark - Scala</a:t>
-            </a:r>
-          </a:p>
-        </p:txBody>
-      </p:sp>
-    </p:spTree>
-    <p:extLst>
-      <p:ext uri="{BB962C8B-B14F-4D97-AF65-F5344CB8AC3E}">
-        <p14:creationId xmlns:p14="http://schemas.microsoft.com/office/powerpoint/2010/main" val="1430180438"/>
-      </p:ext>
-    </p:extLst>
-  </p:cSld>
-  <p:clrMapOvr>
-    <a:masterClrMapping/>
-  </p:clrMapOvr>
-</p:sld>
-</file>
-
-<file path=ppt/slides/slide13.xml><?xml version="1.0" encoding="utf-8"?>
-<p:sld xmlns:a="http://schemas.openxmlformats.org/drawingml/2006/main" xmlns:r="http://schemas.openxmlformats.org/officeDocument/2006/relationships" xmlns:p="http://schemas.openxmlformats.org/presentationml/2006/main">
-  <p:cSld>
-    <p:spTree>
-      <p:nvGrpSpPr>
-        <p:cNvPr id="1" name=""/>
-        <p:cNvGrpSpPr/>
-        <p:nvPr/>
-      </p:nvGrpSpPr>
-      <p:grpSpPr>
-        <a:xfrm>
-          <a:off x="0" y="0"/>
-          <a:ext cx="0" cy="0"/>
-          <a:chOff x="0" y="0"/>
-          <a:chExt cx="0" cy="0"/>
-        </a:xfrm>
-      </p:grpSpPr>
-      <p:sp>
-        <p:nvSpPr>
-          <p:cNvPr id="2" name="Title 1">
-            <a:extLst>
-              <a:ext uri="{FF2B5EF4-FFF2-40B4-BE49-F238E27FC236}">
-                <a16:creationId xmlns:a16="http://schemas.microsoft.com/office/drawing/2014/main" id="{D5697042-174E-AC4F-90CF-E2FDB9F9995E}"/>
-              </a:ext>
-            </a:extLst>
-          </p:cNvPr>
-          <p:cNvSpPr>
-            <a:spLocks noGrp="1"/>
-          </p:cNvSpPr>
-          <p:nvPr>
-            <p:ph type="title"/>
-          </p:nvPr>
-        </p:nvSpPr>
-        <p:spPr/>
-        <p:txBody>
-          <a:bodyPr/>
-          <a:lstStyle/>
-          <a:p>
-            <a:r>
-              <a:rPr lang="en-CO" dirty="0"/>
-              <a:t>Importing Data</a:t>
+              <a:rPr lang="en-US" sz="6000" cap="all" spc="300"/>
+              <a:t>Thanks</a:t>
             </a:r>
           </a:p>
         </p:txBody>
       </p:sp>
       <p:pic>
         <p:nvPicPr>
-          <p:cNvPr id="5" name="Content Placeholder 4" descr="Text&#10;&#10;Description automatically generated">
-            <a:extLst>
-              <a:ext uri="{FF2B5EF4-FFF2-40B4-BE49-F238E27FC236}">
-                <a16:creationId xmlns:a16="http://schemas.microsoft.com/office/drawing/2014/main" id="{4FE50158-FD6A-A540-AE5F-8239BD24DBCD}"/>
+          <p:cNvPr id="25" name="Graphic 5" descr="Smiling Face with No Fill">
+            <a:extLst>
+              <a:ext uri="{FF2B5EF4-FFF2-40B4-BE49-F238E27FC236}">
+                <a16:creationId xmlns:a16="http://schemas.microsoft.com/office/drawing/2014/main" id="{3CBDD4BC-0289-4B17-BB60-56CFF206A866}"/>
               </a:ext>
             </a:extLst>
           </p:cNvPr>
           <p:cNvPicPr>
-            <a:picLocks noGrp="1" noChangeAspect="1"/>
+            <a:picLocks noChangeAspect="1"/>
           </p:cNvPicPr>
-          <p:nvPr>
-            <p:ph idx="1"/>
-          </p:nvPr>
+          <p:nvPr/>
         </p:nvPicPr>
         <p:blipFill>
-          <a:blip r:embed="rId2"/>
+          <a:blip r:embed="rId2">
+            <a:extLst>
+              <a:ext uri="{28A0092B-C50C-407E-A947-70E740481C1C}">
+                <a14:useLocalDpi xmlns:a14="http://schemas.microsoft.com/office/drawing/2010/main" val="0"/>
+              </a:ext>
+              <a:ext uri="{96DAC541-7B7A-43D3-8B79-37D633B846F1}">
+                <asvg:svgBlip xmlns:asvg="http://schemas.microsoft.com/office/drawing/2016/SVG/main" r:embed="rId3"/>
+              </a:ext>
+            </a:extLst>
+          </a:blip>
           <a:stretch>
             <a:fillRect/>
           </a:stretch>
         </p:blipFill>
         <p:spPr>
           <a:xfrm>
-            <a:off x="1143000" y="2813544"/>
-            <a:ext cx="9906000" cy="2604100"/>
-          </a:xfrm>
-        </p:spPr>
-      </p:pic>
-    </p:spTree>
-    <p:extLst>
-      <p:ext uri="{BB962C8B-B14F-4D97-AF65-F5344CB8AC3E}">
-        <p14:creationId xmlns:p14="http://schemas.microsoft.com/office/powerpoint/2010/main" val="3032995578"/>
-      </p:ext>
-    </p:extLst>
-  </p:cSld>
-  <p:clrMapOvr>
-    <a:masterClrMapping/>
-  </p:clrMapOvr>
-</p:sld>
-</file>
-
-<file path=ppt/slides/slide14.xml><?xml version="1.0" encoding="utf-8"?>
-<p:sld xmlns:a="http://schemas.openxmlformats.org/drawingml/2006/main" xmlns:r="http://schemas.openxmlformats.org/officeDocument/2006/relationships" xmlns:p="http://schemas.openxmlformats.org/presentationml/2006/main">
-  <p:cSld>
-    <p:spTree>
-      <p:nvGrpSpPr>
-        <p:cNvPr id="1" name=""/>
-        <p:cNvGrpSpPr/>
-        <p:nvPr/>
-      </p:nvGrpSpPr>
-      <p:grpSpPr>
-        <a:xfrm>
-          <a:off x="0" y="0"/>
-          <a:ext cx="0" cy="0"/>
-          <a:chOff x="0" y="0"/>
-          <a:chExt cx="0" cy="0"/>
-        </a:xfrm>
-      </p:grpSpPr>
-      <p:sp>
-        <p:nvSpPr>
-          <p:cNvPr id="2" name="Title 1">
-            <a:extLst>
-              <a:ext uri="{FF2B5EF4-FFF2-40B4-BE49-F238E27FC236}">
-                <a16:creationId xmlns:a16="http://schemas.microsoft.com/office/drawing/2014/main" id="{D5697042-174E-AC4F-90CF-E2FDB9F9995E}"/>
-              </a:ext>
-            </a:extLst>
-          </p:cNvPr>
-          <p:cNvSpPr>
-            <a:spLocks noGrp="1"/>
-          </p:cNvSpPr>
-          <p:nvPr>
-            <p:ph type="title"/>
-          </p:nvPr>
-        </p:nvSpPr>
-        <p:spPr/>
-        <p:txBody>
-          <a:bodyPr/>
-          <a:lstStyle/>
-          <a:p>
-            <a:r>
-              <a:rPr lang="en-CO" dirty="0"/>
-              <a:t>Sampling</a:t>
-            </a:r>
-          </a:p>
-        </p:txBody>
-      </p:sp>
-      <p:pic>
-        <p:nvPicPr>
-          <p:cNvPr id="4" name="Picture 3" descr="Text&#10;&#10;Description automatically generated">
-            <a:extLst>
-              <a:ext uri="{FF2B5EF4-FFF2-40B4-BE49-F238E27FC236}">
-                <a16:creationId xmlns:a16="http://schemas.microsoft.com/office/drawing/2014/main" id="{0FE31830-6FAA-7445-99FB-C4314179C927}"/>
-              </a:ext>
-            </a:extLst>
-          </p:cNvPr>
-          <p:cNvPicPr>
-            <a:picLocks noChangeAspect="1"/>
-          </p:cNvPicPr>
-          <p:nvPr/>
-        </p:nvPicPr>
-        <p:blipFill>
-          <a:blip r:embed="rId2"/>
-          <a:stretch>
-            <a:fillRect/>
-          </a:stretch>
-        </p:blipFill>
-        <p:spPr>
-          <a:xfrm>
-            <a:off x="966500" y="2564195"/>
-            <a:ext cx="10259000" cy="2312605"/>
+            <a:off x="8529002" y="3429000"/>
+            <a:ext cx="2743200" cy="2743200"/>
           </a:xfrm>
           <a:prstGeom prst="rect">
             <a:avLst/>
@@ -5694,106 +5267,143 @@
     </p:spTree>
     <p:extLst>
       <p:ext uri="{BB962C8B-B14F-4D97-AF65-F5344CB8AC3E}">
-        <p14:creationId xmlns:p14="http://schemas.microsoft.com/office/powerpoint/2010/main" val="1876969810"/>
+        <p14:creationId xmlns:p14="http://schemas.microsoft.com/office/powerpoint/2010/main" val="2595842767"/>
       </p:ext>
     </p:extLst>
   </p:cSld>
   <p:clrMapOvr>
     <a:masterClrMapping/>
   </p:clrMapOvr>
-</p:sld>
-</file>
-
-<file path=ppt/slides/slide15.xml><?xml version="1.0" encoding="utf-8"?>
-<p:sld xmlns:a="http://schemas.openxmlformats.org/drawingml/2006/main" xmlns:r="http://schemas.openxmlformats.org/officeDocument/2006/relationships" xmlns:p="http://schemas.openxmlformats.org/presentationml/2006/main">
-  <p:cSld>
-    <p:spTree>
-      <p:nvGrpSpPr>
-        <p:cNvPr id="1" name=""/>
-        <p:cNvGrpSpPr/>
-        <p:nvPr/>
-      </p:nvGrpSpPr>
-      <p:grpSpPr>
-        <a:xfrm>
-          <a:off x="0" y="0"/>
-          <a:ext cx="0" cy="0"/>
-          <a:chOff x="0" y="0"/>
-          <a:chExt cx="0" cy="0"/>
-        </a:xfrm>
-      </p:grpSpPr>
-      <p:sp>
-        <p:nvSpPr>
-          <p:cNvPr id="2" name="Title 1">
-            <a:extLst>
-              <a:ext uri="{FF2B5EF4-FFF2-40B4-BE49-F238E27FC236}">
-                <a16:creationId xmlns:a16="http://schemas.microsoft.com/office/drawing/2014/main" id="{D5697042-174E-AC4F-90CF-E2FDB9F9995E}"/>
-              </a:ext>
-            </a:extLst>
-          </p:cNvPr>
-          <p:cNvSpPr>
-            <a:spLocks noGrp="1"/>
-          </p:cNvSpPr>
-          <p:nvPr>
-            <p:ph type="title"/>
-          </p:nvPr>
-        </p:nvSpPr>
-        <p:spPr>
-          <a:xfrm>
-            <a:off x="994833" y="509117"/>
-            <a:ext cx="9905999" cy="1360898"/>
-          </a:xfrm>
-        </p:spPr>
-        <p:txBody>
-          <a:bodyPr/>
-          <a:lstStyle/>
-          <a:p>
-            <a:r>
-              <a:rPr lang="en-CO" dirty="0"/>
-              <a:t>Iterate</a:t>
-            </a:r>
-          </a:p>
-        </p:txBody>
-      </p:sp>
-      <p:pic>
-        <p:nvPicPr>
-          <p:cNvPr id="5" name="Picture 4" descr="Text&#10;&#10;Description automatically generated">
-            <a:extLst>
-              <a:ext uri="{FF2B5EF4-FFF2-40B4-BE49-F238E27FC236}">
-                <a16:creationId xmlns:a16="http://schemas.microsoft.com/office/drawing/2014/main" id="{50777DAA-40F8-BB42-9F4C-F8B9E1D6AFD2}"/>
-              </a:ext>
-            </a:extLst>
-          </p:cNvPr>
-          <p:cNvPicPr>
-            <a:picLocks noChangeAspect="1"/>
-          </p:cNvPicPr>
-          <p:nvPr/>
-        </p:nvPicPr>
-        <p:blipFill>
-          <a:blip r:embed="rId2"/>
-          <a:stretch>
-            <a:fillRect/>
-          </a:stretch>
-        </p:blipFill>
-        <p:spPr>
-          <a:xfrm>
-            <a:off x="1905000" y="2044896"/>
-            <a:ext cx="8085667" cy="3623538"/>
-          </a:xfrm>
-          <a:prstGeom prst="rect">
-            <a:avLst/>
-          </a:prstGeom>
-        </p:spPr>
-      </p:pic>
-    </p:spTree>
-    <p:extLst>
-      <p:ext uri="{BB962C8B-B14F-4D97-AF65-F5344CB8AC3E}">
-        <p14:creationId xmlns:p14="http://schemas.microsoft.com/office/powerpoint/2010/main" val="2642870741"/>
-      </p:ext>
-    </p:extLst>
-  </p:cSld>
-  <p:clrMapOvr>
-    <a:masterClrMapping/>
-  </p:clrMapOvr>
+  <p:timing>
+    <p:tnLst>
+      <p:par>
+        <p:cTn id="1" dur="indefinite" restart="never" nodeType="tmRoot">
+          <p:childTnLst>
+            <p:seq concurrent="1" nextAc="seek">
+              <p:cTn id="2" dur="indefinite" nodeType="mainSeq">
+                <p:childTnLst>
+                  <p:par>
+                    <p:cTn id="3" fill="hold">
+                      <p:stCondLst>
+                        <p:cond delay="indefinite"/>
+                        <p:cond evt="onBegin" delay="0">
+                          <p:tn val="2"/>
+                        </p:cond>
+                      </p:stCondLst>
+                      <p:childTnLst>
+                        <p:par>
+                          <p:cTn id="4" fill="hold">
+                            <p:stCondLst>
+                              <p:cond delay="0"/>
+                            </p:stCondLst>
+                            <p:childTnLst>
+                              <p:par>
+                                <p:cTn id="5" presetID="10" presetClass="entr" presetSubtype="0" fill="hold" nodeType="withEffect">
+                                  <p:stCondLst>
+                                    <p:cond delay="500"/>
+                                  </p:stCondLst>
+                                  <p:iterate>
+                                    <p:tmPct val="10000"/>
+                                  </p:iterate>
+                                  <p:childTnLst>
+                                    <p:set>
+                                      <p:cBhvr>
+                                        <p:cTn id="6" dur="1" fill="hold">
+                                          <p:stCondLst>
+                                            <p:cond delay="0"/>
+                                          </p:stCondLst>
+                                        </p:cTn>
+                                        <p:tgtEl>
+                                          <p:spTgt spid="25"/>
+                                        </p:tgtEl>
+                                        <p:attrNameLst>
+                                          <p:attrName>style.visibility</p:attrName>
+                                        </p:attrNameLst>
+                                      </p:cBhvr>
+                                      <p:to>
+                                        <p:strVal val="visible"/>
+                                      </p:to>
+                                    </p:set>
+                                    <p:animEffect transition="in" filter="fade">
+                                      <p:cBhvr>
+                                        <p:cTn id="7" dur="700"/>
+                                        <p:tgtEl>
+                                          <p:spTgt spid="25"/>
+                                        </p:tgtEl>
+                                      </p:cBhvr>
+                                    </p:animEffect>
+                                  </p:childTnLst>
+                                </p:cTn>
+                              </p:par>
+                              <p:par>
+                                <p:cTn id="8" presetID="10" presetClass="entr" presetSubtype="0" fill="hold" grpId="0" nodeType="withEffect">
+                                  <p:stCondLst>
+                                    <p:cond delay="1000"/>
+                                  </p:stCondLst>
+                                  <p:iterate>
+                                    <p:tmPct val="10000"/>
+                                  </p:iterate>
+                                  <p:childTnLst>
+                                    <p:set>
+                                      <p:cBhvr>
+                                        <p:cTn id="9" dur="1" fill="hold">
+                                          <p:stCondLst>
+                                            <p:cond delay="0"/>
+                                          </p:stCondLst>
+                                        </p:cTn>
+                                        <p:tgtEl>
+                                          <p:spTgt spid="2"/>
+                                        </p:tgtEl>
+                                        <p:attrNameLst>
+                                          <p:attrName>style.visibility</p:attrName>
+                                        </p:attrNameLst>
+                                      </p:cBhvr>
+                                      <p:to>
+                                        <p:strVal val="visible"/>
+                                      </p:to>
+                                    </p:set>
+                                    <p:animEffect transition="in" filter="fade">
+                                      <p:cBhvr>
+                                        <p:cTn id="10" dur="700"/>
+                                        <p:tgtEl>
+                                          <p:spTgt spid="2"/>
+                                        </p:tgtEl>
+                                      </p:cBhvr>
+                                    </p:animEffect>
+                                  </p:childTnLst>
+                                </p:cTn>
+                              </p:par>
+                            </p:childTnLst>
+                          </p:cTn>
+                        </p:par>
+                      </p:childTnLst>
+                    </p:cTn>
+                  </p:par>
+                </p:childTnLst>
+              </p:cTn>
+              <p:prevCondLst>
+                <p:cond evt="onPrev" delay="0">
+                  <p:tgtEl>
+                    <p:sldTgt/>
+                  </p:tgtEl>
+                </p:cond>
+              </p:prevCondLst>
+              <p:nextCondLst>
+                <p:cond evt="onNext" delay="0">
+                  <p:tgtEl>
+                    <p:sldTgt/>
+                  </p:tgtEl>
+                </p:cond>
+              </p:nextCondLst>
+            </p:seq>
+          </p:childTnLst>
+        </p:cTn>
+      </p:par>
+    </p:tnLst>
+    <p:bldLst>
+      <p:bldP spid="2" grpId="0"/>
+    </p:bldLst>
+  </p:timing>
 </p:sld>
 </file>
 

--- a/Presentation.pptx
+++ b/Presentation.pptx
@@ -119,6 +119,11 @@
       </a:defRPr>
     </a:lvl9pPr>
   </p:defaultTextStyle>
+  <p:extLst>
+    <p:ext uri="{EFAFB233-063F-42B5-8137-9DF3F51BA10A}">
+      <p15:sldGuideLst xmlns:p15="http://schemas.microsoft.com/office/powerpoint/2012/main"/>
+    </p:ext>
+  </p:extLst>
 </p:presentation>
 </file>
 
@@ -3836,6 +3841,552 @@
           <a:chExt cx="0" cy="0"/>
         </a:xfrm>
       </p:grpSpPr>
+      <p:sp useBgFill="1">
+        <p:nvSpPr>
+          <p:cNvPr id="15" name="Rectangle 8">
+            <a:extLst>
+              <a:ext uri="{FF2B5EF4-FFF2-40B4-BE49-F238E27FC236}">
+                <a16:creationId xmlns:a16="http://schemas.microsoft.com/office/drawing/2014/main" id="{FE74E104-78A8-4DFA-9782-03C75DE1BF02}"/>
+              </a:ext>
+              <a:ext uri="{C183D7F6-B498-43B3-948B-1728B52AA6E4}">
+                <adec:decorative xmlns:adec="http://schemas.microsoft.com/office/drawing/2017/decorative" val="1"/>
+              </a:ext>
+            </a:extLst>
+          </p:cNvPr>
+          <p:cNvSpPr>
+            <a:spLocks noGrp="1" noRot="1" noChangeAspect="1" noMove="1" noResize="1" noEditPoints="1" noAdjustHandles="1" noChangeArrowheads="1" noChangeShapeType="1" noTextEdit="1"/>
+          </p:cNvSpPr>
+          <p:nvPr>
+            <p:extLst>
+              <p:ext uri="{386F3935-93C4-4BCD-93E2-E3B085C9AB24}">
+                <p16:designElem xmlns:p16="http://schemas.microsoft.com/office/powerpoint/2015/main" val="1"/>
+              </p:ext>
+            </p:extLst>
+          </p:nvPr>
+        </p:nvSpPr>
+        <p:spPr>
+          <a:xfrm>
+            <a:off x="0" y="0"/>
+            <a:ext cx="12192000" cy="6858000"/>
+          </a:xfrm>
+          <a:prstGeom prst="rect">
+            <a:avLst/>
+          </a:prstGeom>
+          <a:ln w="12700" cap="flat" cmpd="sng" algn="ctr">
+            <a:noFill/>
+            <a:prstDash val="solid"/>
+            <a:miter lim="800000"/>
+          </a:ln>
+          <a:effectLst/>
+          <a:extLst>
+            <a:ext uri="{91240B29-F687-4F45-9708-019B960494DF}">
+              <a14:hiddenLine xmlns:a14="http://schemas.microsoft.com/office/drawing/2010/main" w="12700" cap="flat" cmpd="sng" algn="ctr">
+                <a:solidFill>
+                  <a:schemeClr val="accent1">
+                    <a:shade val="50000"/>
+                  </a:schemeClr>
+                </a:solidFill>
+                <a:prstDash val="solid"/>
+                <a:miter lim="800000"/>
+              </a14:hiddenLine>
+            </a:ext>
+          </a:extLst>
+        </p:spPr>
+        <p:style>
+          <a:lnRef idx="2">
+            <a:schemeClr val="accent1">
+              <a:shade val="50000"/>
+            </a:schemeClr>
+          </a:lnRef>
+          <a:fillRef idx="1">
+            <a:schemeClr val="accent1"/>
+          </a:fillRef>
+          <a:effectRef idx="0">
+            <a:schemeClr val="accent1"/>
+          </a:effectRef>
+          <a:fontRef idx="minor">
+            <a:schemeClr val="lt1"/>
+          </a:fontRef>
+        </p:style>
+        <p:txBody>
+          <a:bodyPr rtlCol="0" anchor="ctr"/>
+          <a:lstStyle/>
+          <a:p>
+            <a:pPr algn="ctr"/>
+            <a:endParaRPr lang="en-US"/>
+          </a:p>
+        </p:txBody>
+      </p:sp>
+      <p:sp>
+        <p:nvSpPr>
+          <p:cNvPr id="16" name="Freeform: Shape 10">
+            <a:extLst>
+              <a:ext uri="{FF2B5EF4-FFF2-40B4-BE49-F238E27FC236}">
+                <a16:creationId xmlns:a16="http://schemas.microsoft.com/office/drawing/2014/main" id="{1747BCEA-D77E-4BD6-8954-C64996AB739A}"/>
+              </a:ext>
+              <a:ext uri="{C183D7F6-B498-43B3-948B-1728B52AA6E4}">
+                <adec:decorative xmlns:adec="http://schemas.microsoft.com/office/drawing/2017/decorative" val="1"/>
+              </a:ext>
+            </a:extLst>
+          </p:cNvPr>
+          <p:cNvSpPr>
+            <a:spLocks noGrp="1" noRot="1" noChangeAspect="1" noMove="1" noResize="1" noEditPoints="1" noAdjustHandles="1" noChangeArrowheads="1" noChangeShapeType="1" noTextEdit="1"/>
+          </p:cNvSpPr>
+          <p:nvPr>
+            <p:extLst>
+              <p:ext uri="{386F3935-93C4-4BCD-93E2-E3B085C9AB24}">
+                <p16:designElem xmlns:p16="http://schemas.microsoft.com/office/powerpoint/2015/main" val="1"/>
+              </p:ext>
+            </p:extLst>
+          </p:nvPr>
+        </p:nvSpPr>
+        <p:spPr>
+          <a:xfrm rot="16200000" flipH="1" flipV="1">
+            <a:off x="1127553" y="-1127553"/>
+            <a:ext cx="6858000" cy="9113106"/>
+          </a:xfrm>
+          <a:custGeom>
+            <a:avLst/>
+            <a:gdLst>
+              <a:gd name="connsiteX0" fmla="*/ 0 w 6858000"/>
+              <a:gd name="connsiteY0" fmla="*/ 7143270 h 9113106"/>
+              <a:gd name="connsiteX1" fmla="*/ 0 w 6858000"/>
+              <a:gd name="connsiteY1" fmla="*/ 6878623 h 9113106"/>
+              <a:gd name="connsiteX2" fmla="*/ 1 w 6858000"/>
+              <a:gd name="connsiteY2" fmla="*/ 6878623 h 9113106"/>
+              <a:gd name="connsiteX3" fmla="*/ 0 w 6858000"/>
+              <a:gd name="connsiteY3" fmla="*/ 4319945 h 9113106"/>
+              <a:gd name="connsiteX4" fmla="*/ 1 w 6858000"/>
+              <a:gd name="connsiteY4" fmla="*/ 4319945 h 9113106"/>
+              <a:gd name="connsiteX5" fmla="*/ 1 w 6858000"/>
+              <a:gd name="connsiteY5" fmla="*/ 13542 h 9113106"/>
+              <a:gd name="connsiteX6" fmla="*/ 0 w 6858000"/>
+              <a:gd name="connsiteY6" fmla="*/ 13540 h 9113106"/>
+              <a:gd name="connsiteX7" fmla="*/ 0 w 6858000"/>
+              <a:gd name="connsiteY7" fmla="*/ 0 h 9113106"/>
+              <a:gd name="connsiteX8" fmla="*/ 6858000 w 6858000"/>
+              <a:gd name="connsiteY8" fmla="*/ 6010591 h 9113106"/>
+              <a:gd name="connsiteX9" fmla="*/ 6858000 w 6858000"/>
+              <a:gd name="connsiteY9" fmla="*/ 3794798 h 9113106"/>
+              <a:gd name="connsiteX10" fmla="*/ 6858000 w 6858000"/>
+              <a:gd name="connsiteY10" fmla="*/ 3794798 h 9113106"/>
+              <a:gd name="connsiteX11" fmla="*/ 6858000 w 6858000"/>
+              <a:gd name="connsiteY11" fmla="*/ 3837120 h 9113106"/>
+              <a:gd name="connsiteX12" fmla="*/ 6858000 w 6858000"/>
+              <a:gd name="connsiteY12" fmla="*/ 6838049 h 9113106"/>
+              <a:gd name="connsiteX13" fmla="*/ 6858000 w 6858000"/>
+              <a:gd name="connsiteY13" fmla="*/ 9113106 h 9113106"/>
+              <a:gd name="connsiteX14" fmla="*/ 1 w 6858000"/>
+              <a:gd name="connsiteY14" fmla="*/ 9113106 h 9113106"/>
+              <a:gd name="connsiteX15" fmla="*/ 1 w 6858000"/>
+              <a:gd name="connsiteY15" fmla="*/ 7143270 h 9113106"/>
+            </a:gdLst>
+            <a:ahLst/>
+            <a:cxnLst>
+              <a:cxn ang="0">
+                <a:pos x="connsiteX0" y="connsiteY0"/>
+              </a:cxn>
+              <a:cxn ang="0">
+                <a:pos x="connsiteX1" y="connsiteY1"/>
+              </a:cxn>
+              <a:cxn ang="0">
+                <a:pos x="connsiteX2" y="connsiteY2"/>
+              </a:cxn>
+              <a:cxn ang="0">
+                <a:pos x="connsiteX3" y="connsiteY3"/>
+              </a:cxn>
+              <a:cxn ang="0">
+                <a:pos x="connsiteX4" y="connsiteY4"/>
+              </a:cxn>
+              <a:cxn ang="0">
+                <a:pos x="connsiteX5" y="connsiteY5"/>
+              </a:cxn>
+              <a:cxn ang="0">
+                <a:pos x="connsiteX6" y="connsiteY6"/>
+              </a:cxn>
+              <a:cxn ang="0">
+                <a:pos x="connsiteX7" y="connsiteY7"/>
+              </a:cxn>
+              <a:cxn ang="0">
+                <a:pos x="connsiteX8" y="connsiteY8"/>
+              </a:cxn>
+              <a:cxn ang="0">
+                <a:pos x="connsiteX9" y="connsiteY9"/>
+              </a:cxn>
+              <a:cxn ang="0">
+                <a:pos x="connsiteX10" y="connsiteY10"/>
+              </a:cxn>
+              <a:cxn ang="0">
+                <a:pos x="connsiteX11" y="connsiteY11"/>
+              </a:cxn>
+              <a:cxn ang="0">
+                <a:pos x="connsiteX12" y="connsiteY12"/>
+              </a:cxn>
+              <a:cxn ang="0">
+                <a:pos x="connsiteX13" y="connsiteY13"/>
+              </a:cxn>
+              <a:cxn ang="0">
+                <a:pos x="connsiteX14" y="connsiteY14"/>
+              </a:cxn>
+              <a:cxn ang="0">
+                <a:pos x="connsiteX15" y="connsiteY15"/>
+              </a:cxn>
+            </a:cxnLst>
+            <a:rect l="l" t="t" r="r" b="b"/>
+            <a:pathLst>
+              <a:path w="6858000" h="9113106">
+                <a:moveTo>
+                  <a:pt x="0" y="7143270"/>
+                </a:moveTo>
+                <a:lnTo>
+                  <a:pt x="0" y="6878623"/>
+                </a:lnTo>
+                <a:lnTo>
+                  <a:pt x="1" y="6878623"/>
+                </a:lnTo>
+                <a:lnTo>
+                  <a:pt x="0" y="4319945"/>
+                </a:lnTo>
+                <a:lnTo>
+                  <a:pt x="1" y="4319945"/>
+                </a:lnTo>
+                <a:lnTo>
+                  <a:pt x="1" y="13542"/>
+                </a:lnTo>
+                <a:lnTo>
+                  <a:pt x="0" y="13540"/>
+                </a:lnTo>
+                <a:lnTo>
+                  <a:pt x="0" y="0"/>
+                </a:lnTo>
+                <a:lnTo>
+                  <a:pt x="6858000" y="6010591"/>
+                </a:lnTo>
+                <a:lnTo>
+                  <a:pt x="6858000" y="3794798"/>
+                </a:lnTo>
+                <a:lnTo>
+                  <a:pt x="6858000" y="3794798"/>
+                </a:lnTo>
+                <a:lnTo>
+                  <a:pt x="6858000" y="3837120"/>
+                </a:lnTo>
+                <a:lnTo>
+                  <a:pt x="6858000" y="6838049"/>
+                </a:lnTo>
+                <a:lnTo>
+                  <a:pt x="6858000" y="9113106"/>
+                </a:lnTo>
+                <a:lnTo>
+                  <a:pt x="1" y="9113106"/>
+                </a:lnTo>
+                <a:lnTo>
+                  <a:pt x="1" y="7143270"/>
+                </a:lnTo>
+                <a:close/>
+              </a:path>
+            </a:pathLst>
+          </a:custGeom>
+          <a:solidFill>
+            <a:schemeClr val="bg2"/>
+          </a:solidFill>
+          <a:ln>
+            <a:noFill/>
+          </a:ln>
+        </p:spPr>
+        <p:style>
+          <a:lnRef idx="2">
+            <a:schemeClr val="accent1">
+              <a:shade val="50000"/>
+            </a:schemeClr>
+          </a:lnRef>
+          <a:fillRef idx="1">
+            <a:schemeClr val="accent1"/>
+          </a:fillRef>
+          <a:effectRef idx="0">
+            <a:schemeClr val="accent1"/>
+          </a:effectRef>
+          <a:fontRef idx="minor">
+            <a:schemeClr val="lt1"/>
+          </a:fontRef>
+        </p:style>
+        <p:txBody>
+          <a:bodyPr wrap="square" rtlCol="0" anchor="ctr">
+            <a:noAutofit/>
+          </a:bodyPr>
+          <a:lstStyle/>
+          <a:p>
+            <a:pPr algn="ctr"/>
+            <a:endParaRPr lang="en-US"/>
+          </a:p>
+        </p:txBody>
+      </p:sp>
+      <p:sp>
+        <p:nvSpPr>
+          <p:cNvPr id="17" name="Freeform: Shape 12">
+            <a:extLst>
+              <a:ext uri="{FF2B5EF4-FFF2-40B4-BE49-F238E27FC236}">
+                <a16:creationId xmlns:a16="http://schemas.microsoft.com/office/drawing/2014/main" id="{76D563F6-B8F0-406F-A032-1E478CA25158}"/>
+              </a:ext>
+              <a:ext uri="{C183D7F6-B498-43B3-948B-1728B52AA6E4}">
+                <adec:decorative xmlns:adec="http://schemas.microsoft.com/office/drawing/2017/decorative" val="1"/>
+              </a:ext>
+            </a:extLst>
+          </p:cNvPr>
+          <p:cNvSpPr>
+            <a:spLocks noGrp="1" noRot="1" noChangeAspect="1" noMove="1" noResize="1" noEditPoints="1" noAdjustHandles="1" noChangeArrowheads="1" noChangeShapeType="1" noTextEdit="1"/>
+          </p:cNvSpPr>
+          <p:nvPr>
+            <p:extLst>
+              <p:ext uri="{386F3935-93C4-4BCD-93E2-E3B085C9AB24}">
+                <p16:designElem xmlns:p16="http://schemas.microsoft.com/office/powerpoint/2015/main" val="1"/>
+              </p:ext>
+            </p:extLst>
+          </p:nvPr>
+        </p:nvSpPr>
+        <p:spPr>
+          <a:xfrm>
+            <a:off x="2234482" y="-2"/>
+            <a:ext cx="9957519" cy="6858002"/>
+          </a:xfrm>
+          <a:custGeom>
+            <a:avLst/>
+            <a:gdLst>
+              <a:gd name="connsiteX0" fmla="*/ 6878624 w 9957519"/>
+              <a:gd name="connsiteY0" fmla="*/ 0 h 6858000"/>
+              <a:gd name="connsiteX1" fmla="*/ 9957519 w 9957519"/>
+              <a:gd name="connsiteY1" fmla="*/ 0 h 6858000"/>
+              <a:gd name="connsiteX2" fmla="*/ 9957519 w 9957519"/>
+              <a:gd name="connsiteY2" fmla="*/ 1557082 h 6858000"/>
+              <a:gd name="connsiteX3" fmla="*/ 9957518 w 9957519"/>
+              <a:gd name="connsiteY3" fmla="*/ 1557083 h 6858000"/>
+              <a:gd name="connsiteX4" fmla="*/ 9957518 w 9957519"/>
+              <a:gd name="connsiteY4" fmla="*/ 6858000 h 6858000"/>
+              <a:gd name="connsiteX5" fmla="*/ 8318421 w 9957519"/>
+              <a:gd name="connsiteY5" fmla="*/ 6858000 h 6858000"/>
+              <a:gd name="connsiteX6" fmla="*/ 6213394 w 9957519"/>
+              <a:gd name="connsiteY6" fmla="*/ 6858000 h 6858000"/>
+              <a:gd name="connsiteX7" fmla="*/ 5311608 w 9957519"/>
+              <a:gd name="connsiteY7" fmla="*/ 6858000 h 6858000"/>
+              <a:gd name="connsiteX8" fmla="*/ 4574297 w 9957519"/>
+              <a:gd name="connsiteY8" fmla="*/ 6858000 h 6858000"/>
+              <a:gd name="connsiteX9" fmla="*/ 868032 w 9957519"/>
+              <a:gd name="connsiteY9" fmla="*/ 6858000 h 6858000"/>
+              <a:gd name="connsiteX10" fmla="*/ 0 w 9957519"/>
+              <a:gd name="connsiteY10" fmla="*/ 0 h 6858000"/>
+              <a:gd name="connsiteX11" fmla="*/ 6878624 w 9957519"/>
+              <a:gd name="connsiteY11" fmla="*/ 0 h 6858000"/>
+              <a:gd name="connsiteX12" fmla="*/ 0 w 9957519"/>
+              <a:gd name="connsiteY12" fmla="*/ 1 h 6858000"/>
+            </a:gdLst>
+            <a:ahLst/>
+            <a:cxnLst>
+              <a:cxn ang="0">
+                <a:pos x="connsiteX0" y="connsiteY0"/>
+              </a:cxn>
+              <a:cxn ang="0">
+                <a:pos x="connsiteX1" y="connsiteY1"/>
+              </a:cxn>
+              <a:cxn ang="0">
+                <a:pos x="connsiteX2" y="connsiteY2"/>
+              </a:cxn>
+              <a:cxn ang="0">
+                <a:pos x="connsiteX3" y="connsiteY3"/>
+              </a:cxn>
+              <a:cxn ang="0">
+                <a:pos x="connsiteX4" y="connsiteY4"/>
+              </a:cxn>
+              <a:cxn ang="0">
+                <a:pos x="connsiteX5" y="connsiteY5"/>
+              </a:cxn>
+              <a:cxn ang="0">
+                <a:pos x="connsiteX6" y="connsiteY6"/>
+              </a:cxn>
+              <a:cxn ang="0">
+                <a:pos x="connsiteX7" y="connsiteY7"/>
+              </a:cxn>
+              <a:cxn ang="0">
+                <a:pos x="connsiteX8" y="connsiteY8"/>
+              </a:cxn>
+              <a:cxn ang="0">
+                <a:pos x="connsiteX9" y="connsiteY9"/>
+              </a:cxn>
+              <a:cxn ang="0">
+                <a:pos x="connsiteX10" y="connsiteY10"/>
+              </a:cxn>
+              <a:cxn ang="0">
+                <a:pos x="connsiteX11" y="connsiteY11"/>
+              </a:cxn>
+              <a:cxn ang="0">
+                <a:pos x="connsiteX12" y="connsiteY12"/>
+              </a:cxn>
+            </a:cxnLst>
+            <a:rect l="l" t="t" r="r" b="b"/>
+            <a:pathLst>
+              <a:path w="9957519" h="6858000">
+                <a:moveTo>
+                  <a:pt x="6878624" y="0"/>
+                </a:moveTo>
+                <a:lnTo>
+                  <a:pt x="9957519" y="0"/>
+                </a:lnTo>
+                <a:lnTo>
+                  <a:pt x="9957519" y="1557082"/>
+                </a:lnTo>
+                <a:lnTo>
+                  <a:pt x="9957518" y="1557083"/>
+                </a:lnTo>
+                <a:lnTo>
+                  <a:pt x="9957518" y="6858000"/>
+                </a:lnTo>
+                <a:lnTo>
+                  <a:pt x="8318421" y="6858000"/>
+                </a:lnTo>
+                <a:lnTo>
+                  <a:pt x="6213394" y="6858000"/>
+                </a:lnTo>
+                <a:lnTo>
+                  <a:pt x="5311608" y="6858000"/>
+                </a:lnTo>
+                <a:lnTo>
+                  <a:pt x="4574297" y="6858000"/>
+                </a:lnTo>
+                <a:lnTo>
+                  <a:pt x="868032" y="6858000"/>
+                </a:lnTo>
+                <a:close/>
+                <a:moveTo>
+                  <a:pt x="0" y="0"/>
+                </a:moveTo>
+                <a:lnTo>
+                  <a:pt x="6878624" y="0"/>
+                </a:lnTo>
+                <a:lnTo>
+                  <a:pt x="0" y="1"/>
+                </a:lnTo>
+                <a:close/>
+              </a:path>
+            </a:pathLst>
+          </a:custGeom>
+          <a:solidFill>
+            <a:srgbClr val="FFFFFF"/>
+          </a:solidFill>
+          <a:ln w="12700" cap="flat" cmpd="sng" algn="ctr">
+            <a:noFill/>
+            <a:prstDash val="solid"/>
+            <a:miter lim="800000"/>
+          </a:ln>
+          <a:effectLst/>
+        </p:spPr>
+        <p:style>
+          <a:lnRef idx="2">
+            <a:schemeClr val="accent1">
+              <a:shade val="50000"/>
+            </a:schemeClr>
+          </a:lnRef>
+          <a:fillRef idx="1">
+            <a:schemeClr val="accent1"/>
+          </a:fillRef>
+          <a:effectRef idx="0">
+            <a:schemeClr val="accent1"/>
+          </a:effectRef>
+          <a:fontRef idx="minor">
+            <a:schemeClr val="lt1"/>
+          </a:fontRef>
+        </p:style>
+        <p:txBody>
+          <a:bodyPr wrap="square" rtlCol="0" anchor="ctr">
+            <a:noAutofit/>
+          </a:bodyPr>
+          <a:lstStyle/>
+          <a:p>
+            <a:pPr algn="ctr"/>
+            <a:endParaRPr lang="en-US"/>
+          </a:p>
+        </p:txBody>
+      </p:sp>
+      <p:sp>
+        <p:nvSpPr>
+          <p:cNvPr id="2" name="Title 1">
+            <a:extLst>
+              <a:ext uri="{FF2B5EF4-FFF2-40B4-BE49-F238E27FC236}">
+                <a16:creationId xmlns:a16="http://schemas.microsoft.com/office/drawing/2014/main" id="{D773FD80-8DCA-C74B-8EDF-6257EFA095F5}"/>
+              </a:ext>
+            </a:extLst>
+          </p:cNvPr>
+          <p:cNvSpPr>
+            <a:spLocks noGrp="1"/>
+          </p:cNvSpPr>
+          <p:nvPr>
+            <p:ph type="ctrTitle"/>
+          </p:nvPr>
+        </p:nvSpPr>
+        <p:spPr>
+          <a:xfrm>
+            <a:off x="1143000" y="1181098"/>
+            <a:ext cx="4953000" cy="2713170"/>
+          </a:xfrm>
+        </p:spPr>
+        <p:txBody>
+          <a:bodyPr>
+            <a:normAutofit/>
+          </a:bodyPr>
+          <a:lstStyle/>
+          <a:p>
+            <a:r>
+              <a:rPr lang="en-CO"/>
+              <a:t>Big Data Final Project</a:t>
+            </a:r>
+          </a:p>
+        </p:txBody>
+      </p:sp>
+      <p:sp>
+        <p:nvSpPr>
+          <p:cNvPr id="3" name="Subtitle 2">
+            <a:extLst>
+              <a:ext uri="{FF2B5EF4-FFF2-40B4-BE49-F238E27FC236}">
+                <a16:creationId xmlns:a16="http://schemas.microsoft.com/office/drawing/2014/main" id="{6DDD0E90-E752-1E41-919A-1DCB35577D9E}"/>
+              </a:ext>
+            </a:extLst>
+          </p:cNvPr>
+          <p:cNvSpPr>
+            <a:spLocks noGrp="1"/>
+          </p:cNvSpPr>
+          <p:nvPr>
+            <p:ph type="subTitle" idx="1"/>
+          </p:nvPr>
+        </p:nvSpPr>
+        <p:spPr>
+          <a:xfrm>
+            <a:off x="1143000" y="4227755"/>
+            <a:ext cx="2787216" cy="1593735"/>
+          </a:xfrm>
+        </p:spPr>
+        <p:txBody>
+          <a:bodyPr anchor="b">
+            <a:normAutofit/>
+          </a:bodyPr>
+          <a:lstStyle/>
+          <a:p>
+            <a:r>
+              <a:rPr lang="en-CO"/>
+              <a:t>Jeison Roa</a:t>
+            </a:r>
+          </a:p>
+          <a:p>
+            <a:r>
+              <a:rPr lang="en-CO"/>
+              <a:t>Armando Benavides</a:t>
+            </a:r>
+          </a:p>
+          <a:p>
+            <a:r>
+              <a:rPr lang="en-CO"/>
+              <a:t>Lemlem Fereia</a:t>
+            </a:r>
+          </a:p>
+        </p:txBody>
+      </p:sp>
       <p:pic>
         <p:nvPicPr>
           <p:cNvPr id="4" name="Picture 3">
@@ -3857,117 +4408,14 @@
         </p:blipFill>
         <p:spPr>
           <a:xfrm>
-            <a:off x="20" y="-3"/>
-            <a:ext cx="12191979" cy="6858004"/>
+            <a:off x="7209011" y="2992896"/>
+            <a:ext cx="4339521" cy="2440997"/>
           </a:xfrm>
           <a:prstGeom prst="rect">
             <a:avLst/>
           </a:prstGeom>
         </p:spPr>
       </p:pic>
-      <p:sp>
-        <p:nvSpPr>
-          <p:cNvPr id="2" name="Title 1">
-            <a:extLst>
-              <a:ext uri="{FF2B5EF4-FFF2-40B4-BE49-F238E27FC236}">
-                <a16:creationId xmlns:a16="http://schemas.microsoft.com/office/drawing/2014/main" id="{D773FD80-8DCA-C74B-8EDF-6257EFA095F5}"/>
-              </a:ext>
-            </a:extLst>
-          </p:cNvPr>
-          <p:cNvSpPr>
-            <a:spLocks noGrp="1"/>
-          </p:cNvSpPr>
-          <p:nvPr>
-            <p:ph type="ctrTitle"/>
-          </p:nvPr>
-        </p:nvSpPr>
-        <p:spPr>
-          <a:xfrm>
-            <a:off x="1143000" y="1181101"/>
-            <a:ext cx="4953000" cy="2247899"/>
-          </a:xfrm>
-        </p:spPr>
-        <p:txBody>
-          <a:bodyPr anchor="t">
-            <a:normAutofit/>
-          </a:bodyPr>
-          <a:lstStyle/>
-          <a:p>
-            <a:pPr>
-              <a:lnSpc>
-                <a:spcPct val="90000"/>
-              </a:lnSpc>
-            </a:pPr>
-            <a:r>
-              <a:rPr lang="en-CO">
-                <a:solidFill>
-                  <a:srgbClr val="FFFFFF"/>
-                </a:solidFill>
-              </a:rPr>
-              <a:t>Big Data Final Project</a:t>
-            </a:r>
-          </a:p>
-        </p:txBody>
-      </p:sp>
-      <p:sp>
-        <p:nvSpPr>
-          <p:cNvPr id="3" name="Subtitle 2">
-            <a:extLst>
-              <a:ext uri="{FF2B5EF4-FFF2-40B4-BE49-F238E27FC236}">
-                <a16:creationId xmlns:a16="http://schemas.microsoft.com/office/drawing/2014/main" id="{6DDD0E90-E752-1E41-919A-1DCB35577D9E}"/>
-              </a:ext>
-            </a:extLst>
-          </p:cNvPr>
-          <p:cNvSpPr>
-            <a:spLocks noGrp="1"/>
-          </p:cNvSpPr>
-          <p:nvPr>
-            <p:ph type="subTitle" idx="1"/>
-          </p:nvPr>
-        </p:nvSpPr>
-        <p:spPr>
-          <a:xfrm>
-            <a:off x="1143001" y="4093232"/>
-            <a:ext cx="2858548" cy="1728728"/>
-          </a:xfrm>
-        </p:spPr>
-        <p:txBody>
-          <a:bodyPr anchor="b">
-            <a:normAutofit/>
-          </a:bodyPr>
-          <a:lstStyle/>
-          <a:p>
-            <a:r>
-              <a:rPr lang="en-CO">
-                <a:solidFill>
-                  <a:srgbClr val="FFFFFF"/>
-                </a:solidFill>
-              </a:rPr>
-              <a:t>Jeison Roa</a:t>
-            </a:r>
-          </a:p>
-          <a:p>
-            <a:r>
-              <a:rPr lang="en-CO">
-                <a:solidFill>
-                  <a:srgbClr val="FFFFFF"/>
-                </a:solidFill>
-              </a:rPr>
-              <a:t>Armando Benavides</a:t>
-            </a:r>
-          </a:p>
-          <a:p>
-            <a:r>
-              <a:rPr lang="en-CO">
-                <a:solidFill>
-                  <a:srgbClr val="FFFFFF"/>
-                </a:solidFill>
-              </a:rPr>
-              <a:t>Lemlem Fereia</a:t>
-            </a:r>
-          </a:p>
-        </p:txBody>
-      </p:sp>
     </p:spTree>
     <p:extLst>
       <p:ext uri="{BB962C8B-B14F-4D97-AF65-F5344CB8AC3E}">
